--- a/2. herramientas.pptx
+++ b/2. herramientas.pptx
@@ -120,7 +120,18 @@
   </p:defaultTextStyle>
   <p:extLst>
     <p:ext uri="{EFAFB233-063F-42B5-8137-9DF3F51BA10A}">
-      <p15:sldGuideLst xmlns:p15="http://schemas.microsoft.com/office/powerpoint/2012/main" xmlns=""/>
+      <p15:sldGuideLst xmlns:p15="http://schemas.microsoft.com/office/powerpoint/2012/main">
+        <p15:guide id="1" orient="horz" pos="2160">
+          <p15:clr>
+            <a:srgbClr val="A4A3A4"/>
+          </p15:clr>
+        </p15:guide>
+        <p15:guide id="2" pos="3840">
+          <p15:clr>
+            <a:srgbClr val="A4A3A4"/>
+          </p15:clr>
+        </p15:guide>
+      </p15:sldGuideLst>
     </p:ext>
   </p:extLst>
 </p:presentation>
@@ -129,7 +140,7 @@
 <file path=ppt/revisionInfo.xml><?xml version="1.0" encoding="utf-8"?>
 <p1510:revInfo xmlns:a="http://schemas.openxmlformats.org/drawingml/2006/main" xmlns:r="http://schemas.openxmlformats.org/officeDocument/2006/relationships" xmlns:p1510="http://schemas.microsoft.com/office/powerpoint/2015/10/main">
   <p1510:revLst>
-    <p1510:client id="{7A0BB685-D947-45C5-86DA-A78E0743E074}" v="79" dt="2018-10-08T04:11:52.729"/>
+    <p1510:client id="{634AEEBE-2C83-40EB-B8F9-9379CEF9C6EC}" v="12" dt="2019-08-06T16:33:12.062"/>
   </p1510:revLst>
 </p1510:revInfo>
 </file>
@@ -138,474 +149,194 @@
 <pc:chgInfo xmlns:a="http://schemas.openxmlformats.org/drawingml/2006/main" xmlns:r="http://schemas.openxmlformats.org/officeDocument/2006/relationships" xmlns:ac="http://schemas.microsoft.com/office/drawing/2013/main/command" xmlns:pc="http://schemas.microsoft.com/office/powerpoint/2013/main/command">
   <pc:docChgLst>
     <pc:chgData name="Rafael C." userId="ffa83960b425c528" providerId="LiveId" clId="{A1A6CC59-1AE6-40B8-B2C9-6E34EF2ED440}"/>
-    <pc:docChg chg="undo custSel delSld modSld">
-      <pc:chgData name="Rafael C." userId="ffa83960b425c528" providerId="LiveId" clId="{A1A6CC59-1AE6-40B8-B2C9-6E34EF2ED440}" dt="2018-10-07T18:29:18.067" v="6" actId="2696"/>
+  </pc:docChgLst>
+  <pc:docChgLst>
+    <pc:chgData name="Rafael C." userId="ffa83960b425c528" providerId="LiveId" clId="{7A0BB685-D947-45C5-86DA-A78E0743E074}"/>
+  </pc:docChgLst>
+  <pc:docChgLst>
+    <pc:chgData name="Rafael C." userId="ffa83960b425c528" providerId="LiveId" clId="{634AEEBE-2C83-40EB-B8F9-9379CEF9C6EC}"/>
+    <pc:docChg chg="modSld">
+      <pc:chgData name="Rafael C." userId="ffa83960b425c528" providerId="LiveId" clId="{634AEEBE-2C83-40EB-B8F9-9379CEF9C6EC}" dt="2019-08-06T16:33:12.062" v="11" actId="478"/>
       <pc:docMkLst>
         <pc:docMk/>
       </pc:docMkLst>
-      <pc:sldChg chg="del">
-        <pc:chgData name="Rafael C." userId="ffa83960b425c528" providerId="LiveId" clId="{A1A6CC59-1AE6-40B8-B2C9-6E34EF2ED440}" dt="2018-10-07T18:29:00.289" v="5" actId="2696"/>
-        <pc:sldMkLst>
-          <pc:docMk/>
-          <pc:sldMk cId="993464317" sldId="276"/>
-        </pc:sldMkLst>
-      </pc:sldChg>
-      <pc:sldChg chg="del">
-        <pc:chgData name="Rafael C." userId="ffa83960b425c528" providerId="LiveId" clId="{A1A6CC59-1AE6-40B8-B2C9-6E34EF2ED440}" dt="2018-10-07T18:29:18.067" v="6" actId="2696"/>
-        <pc:sldMkLst>
-          <pc:docMk/>
-          <pc:sldMk cId="1481334511" sldId="277"/>
-        </pc:sldMkLst>
-      </pc:sldChg>
-      <pc:sldChg chg="addSp delSp modSp">
-        <pc:chgData name="Rafael C." userId="ffa83960b425c528" providerId="LiveId" clId="{A1A6CC59-1AE6-40B8-B2C9-6E34EF2ED440}" dt="2018-10-07T18:28:21.011" v="4" actId="478"/>
-        <pc:sldMkLst>
-          <pc:docMk/>
-          <pc:sldMk cId="2911275719" sldId="284"/>
-        </pc:sldMkLst>
-        <pc:picChg chg="add del mod">
-          <ac:chgData name="Rafael C." userId="ffa83960b425c528" providerId="LiveId" clId="{A1A6CC59-1AE6-40B8-B2C9-6E34EF2ED440}" dt="2018-10-07T18:28:21.011" v="4" actId="478"/>
-          <ac:picMkLst>
-            <pc:docMk/>
-            <pc:sldMk cId="2911275719" sldId="284"/>
-            <ac:picMk id="3" creationId="{00000000-0000-0000-0000-000000000000}"/>
-          </ac:picMkLst>
-        </pc:picChg>
-      </pc:sldChg>
-    </pc:docChg>
-  </pc:docChgLst>
-  <pc:docChgLst>
-    <pc:chgData name="Rafael C." userId="ffa83960b425c528" providerId="LiveId" clId="{7A0BB685-D947-45C5-86DA-A78E0743E074}"/>
-    <pc:docChg chg="undo custSel addSld delSld modSld">
-      <pc:chgData name="Rafael C." userId="ffa83960b425c528" providerId="LiveId" clId="{7A0BB685-D947-45C5-86DA-A78E0743E074}" dt="2018-10-08T04:11:52.729" v="430" actId="20577"/>
-      <pc:docMkLst>
-        <pc:docMk/>
-      </pc:docMkLst>
-      <pc:sldChg chg="addSp delSp modSp">
-        <pc:chgData name="Rafael C." userId="ffa83960b425c528" providerId="LiveId" clId="{7A0BB685-D947-45C5-86DA-A78E0743E074}" dt="2018-10-08T03:47:32.288" v="19" actId="20577"/>
+      <pc:sldChg chg="delSp">
+        <pc:chgData name="Rafael C." userId="ffa83960b425c528" providerId="LiveId" clId="{634AEEBE-2C83-40EB-B8F9-9379CEF9C6EC}" dt="2019-08-06T16:32:47.025" v="0" actId="478"/>
         <pc:sldMkLst>
           <pc:docMk/>
           <pc:sldMk cId="727360843" sldId="259"/>
         </pc:sldMkLst>
-        <pc:spChg chg="add mod">
-          <ac:chgData name="Rafael C." userId="ffa83960b425c528" providerId="LiveId" clId="{7A0BB685-D947-45C5-86DA-A78E0743E074}" dt="2018-10-08T03:47:32.288" v="19" actId="20577"/>
-          <ac:spMkLst>
+        <pc:picChg chg="del">
+          <ac:chgData name="Rafael C." userId="ffa83960b425c528" providerId="LiveId" clId="{634AEEBE-2C83-40EB-B8F9-9379CEF9C6EC}" dt="2019-08-06T16:32:47.025" v="0" actId="478"/>
+          <ac:picMkLst>
             <pc:docMk/>
             <pc:sldMk cId="727360843" sldId="259"/>
-            <ac:spMk id="4" creationId="{79AD52D0-06D4-4493-91EA-6C4E014DE8E7}"/>
-          </ac:spMkLst>
-        </pc:spChg>
-        <pc:spChg chg="del">
-          <ac:chgData name="Rafael C." userId="ffa83960b425c528" providerId="LiveId" clId="{7A0BB685-D947-45C5-86DA-A78E0743E074}" dt="2018-10-08T03:47:22.375" v="3" actId="478"/>
-          <ac:spMkLst>
-            <pc:docMk/>
-            <pc:sldMk cId="727360843" sldId="259"/>
-            <ac:spMk id="17" creationId="{00000000-0000-0000-0000-000000000000}"/>
-          </ac:spMkLst>
-        </pc:spChg>
+            <ac:picMk id="5" creationId="{00000000-0000-0000-0000-000000000000}"/>
+          </ac:picMkLst>
+        </pc:picChg>
       </pc:sldChg>
-      <pc:sldChg chg="addSp delSp modSp">
-        <pc:chgData name="Rafael C." userId="ffa83960b425c528" providerId="LiveId" clId="{7A0BB685-D947-45C5-86DA-A78E0743E074}" dt="2018-10-08T03:51:29.762" v="177" actId="20577"/>
+      <pc:sldChg chg="delSp">
+        <pc:chgData name="Rafael C." userId="ffa83960b425c528" providerId="LiveId" clId="{634AEEBE-2C83-40EB-B8F9-9379CEF9C6EC}" dt="2019-08-06T16:32:48.431" v="1" actId="478"/>
         <pc:sldMkLst>
           <pc:docMk/>
           <pc:sldMk cId="2068909626" sldId="274"/>
         </pc:sldMkLst>
-        <pc:spChg chg="add mod">
-          <ac:chgData name="Rafael C." userId="ffa83960b425c528" providerId="LiveId" clId="{7A0BB685-D947-45C5-86DA-A78E0743E074}" dt="2018-10-08T03:49:24.655" v="126" actId="20577"/>
-          <ac:spMkLst>
+        <pc:picChg chg="del">
+          <ac:chgData name="Rafael C." userId="ffa83960b425c528" providerId="LiveId" clId="{634AEEBE-2C83-40EB-B8F9-9379CEF9C6EC}" dt="2019-08-06T16:32:48.431" v="1" actId="478"/>
+          <ac:picMkLst>
             <pc:docMk/>
             <pc:sldMk cId="2068909626" sldId="274"/>
-            <ac:spMk id="4" creationId="{47BF13C9-597F-4101-B226-A0C8AB06CB95}"/>
-          </ac:spMkLst>
-        </pc:spChg>
-        <pc:spChg chg="add mod">
-          <ac:chgData name="Rafael C." userId="ffa83960b425c528" providerId="LiveId" clId="{7A0BB685-D947-45C5-86DA-A78E0743E074}" dt="2018-10-08T03:51:29.762" v="177" actId="20577"/>
-          <ac:spMkLst>
-            <pc:docMk/>
-            <pc:sldMk cId="2068909626" sldId="274"/>
-            <ac:spMk id="5" creationId="{EC9A45E1-1B10-4959-A23C-8023AD14133C}"/>
-          </ac:spMkLst>
-        </pc:spChg>
-        <pc:spChg chg="del">
-          <ac:chgData name="Rafael C." userId="ffa83960b425c528" providerId="LiveId" clId="{7A0BB685-D947-45C5-86DA-A78E0743E074}" dt="2018-10-08T03:47:55.497" v="22" actId="478"/>
-          <ac:spMkLst>
-            <pc:docMk/>
-            <pc:sldMk cId="2068909626" sldId="274"/>
-            <ac:spMk id="9218" creationId="{00000000-0000-0000-0000-000000000000}"/>
-          </ac:spMkLst>
-        </pc:spChg>
+            <ac:picMk id="7" creationId="{00000000-0000-0000-0000-000000000000}"/>
+          </ac:picMkLst>
+        </pc:picChg>
       </pc:sldChg>
-      <pc:sldChg chg="add del setBg">
-        <pc:chgData name="Rafael C." userId="ffa83960b425c528" providerId="LiveId" clId="{7A0BB685-D947-45C5-86DA-A78E0743E074}" dt="2018-10-08T03:48:00.101" v="24" actId="2696"/>
-        <pc:sldMkLst>
-          <pc:docMk/>
-          <pc:sldMk cId="630281706" sldId="278"/>
-        </pc:sldMkLst>
-      </pc:sldChg>
-      <pc:sldChg chg="del">
-        <pc:chgData name="Rafael C." userId="ffa83960b425c528" providerId="LiveId" clId="{7A0BB685-D947-45C5-86DA-A78E0743E074}" dt="2018-10-08T03:48:13.405" v="30" actId="2696"/>
-        <pc:sldMkLst>
-          <pc:docMk/>
-          <pc:sldMk cId="1792558265" sldId="279"/>
-        </pc:sldMkLst>
-      </pc:sldChg>
-      <pc:sldChg chg="del">
-        <pc:chgData name="Rafael C." userId="ffa83960b425c528" providerId="LiveId" clId="{7A0BB685-D947-45C5-86DA-A78E0743E074}" dt="2018-10-08T03:48:02.668" v="25" actId="2696"/>
-        <pc:sldMkLst>
-          <pc:docMk/>
-          <pc:sldMk cId="2169537117" sldId="280"/>
-        </pc:sldMkLst>
-      </pc:sldChg>
-      <pc:sldChg chg="del">
-        <pc:chgData name="Rafael C." userId="ffa83960b425c528" providerId="LiveId" clId="{7A0BB685-D947-45C5-86DA-A78E0743E074}" dt="2018-10-08T03:48:08.786" v="28" actId="2696"/>
-        <pc:sldMkLst>
-          <pc:docMk/>
-          <pc:sldMk cId="1441726708" sldId="281"/>
-        </pc:sldMkLst>
-      </pc:sldChg>
-      <pc:sldChg chg="del">
-        <pc:chgData name="Rafael C." userId="ffa83960b425c528" providerId="LiveId" clId="{7A0BB685-D947-45C5-86DA-A78E0743E074}" dt="2018-10-08T03:48:04.948" v="26" actId="2696"/>
-        <pc:sldMkLst>
-          <pc:docMk/>
-          <pc:sldMk cId="217948506" sldId="282"/>
-        </pc:sldMkLst>
-      </pc:sldChg>
-      <pc:sldChg chg="del">
-        <pc:chgData name="Rafael C." userId="ffa83960b425c528" providerId="LiveId" clId="{7A0BB685-D947-45C5-86DA-A78E0743E074}" dt="2018-10-08T03:48:06.808" v="27" actId="2696"/>
-        <pc:sldMkLst>
-          <pc:docMk/>
-          <pc:sldMk cId="2480974897" sldId="283"/>
-        </pc:sldMkLst>
-      </pc:sldChg>
-      <pc:sldChg chg="del">
-        <pc:chgData name="Rafael C." userId="ffa83960b425c528" providerId="LiveId" clId="{7A0BB685-D947-45C5-86DA-A78E0743E074}" dt="2018-10-08T03:48:11.244" v="29" actId="2696"/>
-        <pc:sldMkLst>
-          <pc:docMk/>
-          <pc:sldMk cId="2911275719" sldId="284"/>
-        </pc:sldMkLst>
-      </pc:sldChg>
-      <pc:sldChg chg="modSp">
-        <pc:chgData name="Rafael C." userId="ffa83960b425c528" providerId="LiveId" clId="{7A0BB685-D947-45C5-86DA-A78E0743E074}" dt="2018-10-08T03:48:18.598" v="36" actId="20577"/>
+      <pc:sldChg chg="delSp">
+        <pc:chgData name="Rafael C." userId="ffa83960b425c528" providerId="LiveId" clId="{634AEEBE-2C83-40EB-B8F9-9379CEF9C6EC}" dt="2019-08-06T16:33:12.062" v="11" actId="478"/>
         <pc:sldMkLst>
           <pc:docMk/>
           <pc:sldMk cId="717311304" sldId="285"/>
         </pc:sldMkLst>
-        <pc:spChg chg="mod">
-          <ac:chgData name="Rafael C." userId="ffa83960b425c528" providerId="LiveId" clId="{7A0BB685-D947-45C5-86DA-A78E0743E074}" dt="2018-10-08T03:48:18.598" v="36" actId="20577"/>
-          <ac:spMkLst>
+        <pc:picChg chg="del">
+          <ac:chgData name="Rafael C." userId="ffa83960b425c528" providerId="LiveId" clId="{634AEEBE-2C83-40EB-B8F9-9379CEF9C6EC}" dt="2019-08-06T16:33:12.062" v="11" actId="478"/>
+          <ac:picMkLst>
             <pc:docMk/>
             <pc:sldMk cId="717311304" sldId="285"/>
-            <ac:spMk id="2" creationId="{00000000-0000-0000-0000-000000000000}"/>
-          </ac:spMkLst>
-        </pc:spChg>
+            <ac:picMk id="9220" creationId="{00000000-0000-0000-0000-000000000000}"/>
+          </ac:picMkLst>
+        </pc:picChg>
       </pc:sldChg>
-      <pc:sldChg chg="delSp add del setBg">
-        <pc:chgData name="Rafael C." userId="ffa83960b425c528" providerId="LiveId" clId="{7A0BB685-D947-45C5-86DA-A78E0743E074}" dt="2018-10-08T03:47:25.560" v="4" actId="2696"/>
-        <pc:sldMkLst>
-          <pc:docMk/>
-          <pc:sldMk cId="2855405431" sldId="286"/>
-        </pc:sldMkLst>
-        <pc:spChg chg="del">
-          <ac:chgData name="Rafael C." userId="ffa83960b425c528" providerId="LiveId" clId="{7A0BB685-D947-45C5-86DA-A78E0743E074}" dt="2018-10-08T03:47:16.916" v="1"/>
-          <ac:spMkLst>
-            <pc:docMk/>
-            <pc:sldMk cId="2855405431" sldId="286"/>
-            <ac:spMk id="17" creationId="{00000000-0000-0000-0000-000000000000}"/>
-          </ac:spMkLst>
-        </pc:spChg>
-      </pc:sldChg>
-      <pc:sldChg chg="addSp delSp modSp add">
-        <pc:chgData name="Rafael C." userId="ffa83960b425c528" providerId="LiveId" clId="{7A0BB685-D947-45C5-86DA-A78E0743E074}" dt="2018-10-08T04:03:55.520" v="279" actId="14100"/>
+      <pc:sldChg chg="delSp">
+        <pc:chgData name="Rafael C." userId="ffa83960b425c528" providerId="LiveId" clId="{634AEEBE-2C83-40EB-B8F9-9379CEF9C6EC}" dt="2019-08-06T16:32:52.555" v="3" actId="478"/>
         <pc:sldMkLst>
           <pc:docMk/>
           <pc:sldMk cId="3848943866" sldId="286"/>
         </pc:sldMkLst>
-        <pc:spChg chg="mod">
-          <ac:chgData name="Rafael C." userId="ffa83960b425c528" providerId="LiveId" clId="{7A0BB685-D947-45C5-86DA-A78E0743E074}" dt="2018-10-08T03:51:53.352" v="209" actId="20577"/>
-          <ac:spMkLst>
-            <pc:docMk/>
-            <pc:sldMk cId="3848943866" sldId="286"/>
-            <ac:spMk id="4" creationId="{47BF13C9-597F-4101-B226-A0C8AB06CB95}"/>
-          </ac:spMkLst>
-        </pc:spChg>
-        <pc:spChg chg="del">
-          <ac:chgData name="Rafael C." userId="ffa83960b425c528" providerId="LiveId" clId="{7A0BB685-D947-45C5-86DA-A78E0743E074}" dt="2018-10-08T03:51:42.693" v="179" actId="478"/>
-          <ac:spMkLst>
-            <pc:docMk/>
-            <pc:sldMk cId="3848943866" sldId="286"/>
-            <ac:spMk id="5" creationId="{EC9A45E1-1B10-4959-A23C-8023AD14133C}"/>
-          </ac:spMkLst>
-        </pc:spChg>
-        <pc:spChg chg="add mod ord">
-          <ac:chgData name="Rafael C." userId="ffa83960b425c528" providerId="LiveId" clId="{7A0BB685-D947-45C5-86DA-A78E0743E074}" dt="2018-10-08T04:03:44.881" v="275" actId="1076"/>
-          <ac:spMkLst>
-            <pc:docMk/>
-            <pc:sldMk cId="3848943866" sldId="286"/>
-            <ac:spMk id="7" creationId="{EA3DA6CF-43F0-463B-8C5B-8459B50B3A41}"/>
-          </ac:spMkLst>
-        </pc:spChg>
-        <pc:picChg chg="add mod ord">
-          <ac:chgData name="Rafael C." userId="ffa83960b425c528" providerId="LiveId" clId="{7A0BB685-D947-45C5-86DA-A78E0743E074}" dt="2018-10-08T04:03:55.520" v="279" actId="14100"/>
+        <pc:picChg chg="del">
+          <ac:chgData name="Rafael C." userId="ffa83960b425c528" providerId="LiveId" clId="{634AEEBE-2C83-40EB-B8F9-9379CEF9C6EC}" dt="2019-08-06T16:32:52.555" v="3" actId="478"/>
           <ac:picMkLst>
             <pc:docMk/>
             <pc:sldMk cId="3848943866" sldId="286"/>
-            <ac:picMk id="3" creationId="{54DB1714-3DF3-4187-B817-AA330050BA93}"/>
+            <ac:picMk id="6" creationId="{00000000-0000-0000-0000-000000000000}"/>
           </ac:picMkLst>
         </pc:picChg>
       </pc:sldChg>
-      <pc:sldChg chg="addSp delSp modSp add">
-        <pc:chgData name="Rafael C." userId="ffa83960b425c528" providerId="LiveId" clId="{7A0BB685-D947-45C5-86DA-A78E0743E074}" dt="2018-10-08T04:11:52.729" v="430" actId="20577"/>
+      <pc:sldChg chg="delSp">
+        <pc:chgData name="Rafael C." userId="ffa83960b425c528" providerId="LiveId" clId="{634AEEBE-2C83-40EB-B8F9-9379CEF9C6EC}" dt="2019-08-06T16:32:50.446" v="2" actId="478"/>
         <pc:sldMkLst>
           <pc:docMk/>
           <pc:sldMk cId="297771041" sldId="287"/>
         </pc:sldMkLst>
-        <pc:spChg chg="mod">
-          <ac:chgData name="Rafael C." userId="ffa83960b425c528" providerId="LiveId" clId="{7A0BB685-D947-45C5-86DA-A78E0743E074}" dt="2018-10-08T04:00:10.333" v="218" actId="20577"/>
-          <ac:spMkLst>
+        <pc:picChg chg="del">
+          <ac:chgData name="Rafael C." userId="ffa83960b425c528" providerId="LiveId" clId="{634AEEBE-2C83-40EB-B8F9-9379CEF9C6EC}" dt="2019-08-06T16:32:50.446" v="2" actId="478"/>
+          <ac:picMkLst>
             <pc:docMk/>
             <pc:sldMk cId="297771041" sldId="287"/>
-            <ac:spMk id="4" creationId="{47BF13C9-597F-4101-B226-A0C8AB06CB95}"/>
-          </ac:spMkLst>
-        </pc:spChg>
-        <pc:spChg chg="del mod">
-          <ac:chgData name="Rafael C." userId="ffa83960b425c528" providerId="LiveId" clId="{7A0BB685-D947-45C5-86DA-A78E0743E074}" dt="2018-10-08T04:01:28.792" v="222" actId="478"/>
-          <ac:spMkLst>
-            <pc:docMk/>
-            <pc:sldMk cId="297771041" sldId="287"/>
-            <ac:spMk id="5" creationId="{EC9A45E1-1B10-4959-A23C-8023AD14133C}"/>
-          </ac:spMkLst>
-        </pc:spChg>
-        <pc:graphicFrameChg chg="add mod">
-          <ac:chgData name="Rafael C." userId="ffa83960b425c528" providerId="LiveId" clId="{7A0BB685-D947-45C5-86DA-A78E0743E074}" dt="2018-10-08T04:11:52.729" v="430" actId="20577"/>
-          <ac:graphicFrameMkLst>
-            <pc:docMk/>
-            <pc:sldMk cId="297771041" sldId="287"/>
-            <ac:graphicFrameMk id="6" creationId="{92CC81DA-3BE2-447C-8BB0-C73EDF57BE37}"/>
-          </ac:graphicFrameMkLst>
-        </pc:graphicFrameChg>
+            <ac:picMk id="5" creationId="{00000000-0000-0000-0000-000000000000}"/>
+          </ac:picMkLst>
+        </pc:picChg>
       </pc:sldChg>
-      <pc:sldChg chg="addSp delSp modSp add">
-        <pc:chgData name="Rafael C." userId="ffa83960b425c528" providerId="LiveId" clId="{7A0BB685-D947-45C5-86DA-A78E0743E074}" dt="2018-10-08T04:04:34.561" v="299" actId="1076"/>
+      <pc:sldChg chg="delSp">
+        <pc:chgData name="Rafael C." userId="ffa83960b425c528" providerId="LiveId" clId="{634AEEBE-2C83-40EB-B8F9-9379CEF9C6EC}" dt="2019-08-06T16:32:54.446" v="4" actId="478"/>
         <pc:sldMkLst>
           <pc:docMk/>
           <pc:sldMk cId="1905322035" sldId="288"/>
         </pc:sldMkLst>
-        <pc:spChg chg="mod">
-          <ac:chgData name="Rafael C." userId="ffa83960b425c528" providerId="LiveId" clId="{7A0BB685-D947-45C5-86DA-A78E0743E074}" dt="2018-10-08T04:04:14.946" v="292" actId="20577"/>
-          <ac:spMkLst>
-            <pc:docMk/>
-            <pc:sldMk cId="1905322035" sldId="288"/>
-            <ac:spMk id="4" creationId="{47BF13C9-597F-4101-B226-A0C8AB06CB95}"/>
-          </ac:spMkLst>
-        </pc:spChg>
         <pc:picChg chg="del">
-          <ac:chgData name="Rafael C." userId="ffa83960b425c528" providerId="LiveId" clId="{7A0BB685-D947-45C5-86DA-A78E0743E074}" dt="2018-10-08T04:04:18.756" v="293" actId="478"/>
+          <ac:chgData name="Rafael C." userId="ffa83960b425c528" providerId="LiveId" clId="{634AEEBE-2C83-40EB-B8F9-9379CEF9C6EC}" dt="2019-08-06T16:32:54.446" v="4" actId="478"/>
           <ac:picMkLst>
             <pc:docMk/>
             <pc:sldMk cId="1905322035" sldId="288"/>
-            <ac:picMk id="3" creationId="{54DB1714-3DF3-4187-B817-AA330050BA93}"/>
-          </ac:picMkLst>
-        </pc:picChg>
-        <pc:picChg chg="add mod">
-          <ac:chgData name="Rafael C." userId="ffa83960b425c528" providerId="LiveId" clId="{7A0BB685-D947-45C5-86DA-A78E0743E074}" dt="2018-10-08T04:04:34.561" v="299" actId="1076"/>
-          <ac:picMkLst>
-            <pc:docMk/>
-            <pc:sldMk cId="1905322035" sldId="288"/>
-            <ac:picMk id="6" creationId="{1C0E1B7B-BC22-4592-A81E-CECE6496B35B}"/>
+            <ac:picMk id="8" creationId="{00000000-0000-0000-0000-000000000000}"/>
           </ac:picMkLst>
         </pc:picChg>
       </pc:sldChg>
-      <pc:sldChg chg="addSp delSp modSp add">
-        <pc:chgData name="Rafael C." userId="ffa83960b425c528" providerId="LiveId" clId="{7A0BB685-D947-45C5-86DA-A78E0743E074}" dt="2018-10-08T04:05:02.195" v="316" actId="1076"/>
+      <pc:sldChg chg="delSp">
+        <pc:chgData name="Rafael C." userId="ffa83960b425c528" providerId="LiveId" clId="{634AEEBE-2C83-40EB-B8F9-9379CEF9C6EC}" dt="2019-08-06T16:32:56.633" v="5" actId="478"/>
         <pc:sldMkLst>
           <pc:docMk/>
           <pc:sldMk cId="1487382646" sldId="289"/>
         </pc:sldMkLst>
-        <pc:spChg chg="mod">
-          <ac:chgData name="Rafael C." userId="ffa83960b425c528" providerId="LiveId" clId="{7A0BB685-D947-45C5-86DA-A78E0743E074}" dt="2018-10-08T04:04:52.868" v="311" actId="20577"/>
-          <ac:spMkLst>
-            <pc:docMk/>
-            <pc:sldMk cId="1487382646" sldId="289"/>
-            <ac:spMk id="4" creationId="{47BF13C9-597F-4101-B226-A0C8AB06CB95}"/>
-          </ac:spMkLst>
-        </pc:spChg>
         <pc:picChg chg="del">
-          <ac:chgData name="Rafael C." userId="ffa83960b425c528" providerId="LiveId" clId="{7A0BB685-D947-45C5-86DA-A78E0743E074}" dt="2018-10-08T04:04:54.568" v="312" actId="478"/>
+          <ac:chgData name="Rafael C." userId="ffa83960b425c528" providerId="LiveId" clId="{634AEEBE-2C83-40EB-B8F9-9379CEF9C6EC}" dt="2019-08-06T16:32:56.633" v="5" actId="478"/>
           <ac:picMkLst>
             <pc:docMk/>
             <pc:sldMk cId="1487382646" sldId="289"/>
-            <ac:picMk id="6" creationId="{1C0E1B7B-BC22-4592-A81E-CECE6496B35B}"/>
-          </ac:picMkLst>
-        </pc:picChg>
-        <pc:picChg chg="add mod">
-          <ac:chgData name="Rafael C." userId="ffa83960b425c528" providerId="LiveId" clId="{7A0BB685-D947-45C5-86DA-A78E0743E074}" dt="2018-10-08T04:05:02.195" v="316" actId="1076"/>
-          <ac:picMkLst>
-            <pc:docMk/>
-            <pc:sldMk cId="1487382646" sldId="289"/>
-            <ac:picMk id="8" creationId="{93106372-D95E-4BE0-9350-33C693A891C0}"/>
+            <ac:picMk id="6" creationId="{00000000-0000-0000-0000-000000000000}"/>
           </ac:picMkLst>
         </pc:picChg>
       </pc:sldChg>
-      <pc:sldChg chg="addSp delSp modSp add">
-        <pc:chgData name="Rafael C." userId="ffa83960b425c528" providerId="LiveId" clId="{7A0BB685-D947-45C5-86DA-A78E0743E074}" dt="2018-10-08T04:05:57.461" v="345" actId="1076"/>
+      <pc:sldChg chg="delSp">
+        <pc:chgData name="Rafael C." userId="ffa83960b425c528" providerId="LiveId" clId="{634AEEBE-2C83-40EB-B8F9-9379CEF9C6EC}" dt="2019-08-06T16:32:58.734" v="6" actId="478"/>
         <pc:sldMkLst>
           <pc:docMk/>
           <pc:sldMk cId="4084096857" sldId="290"/>
         </pc:sldMkLst>
-        <pc:spChg chg="mod">
-          <ac:chgData name="Rafael C." userId="ffa83960b425c528" providerId="LiveId" clId="{7A0BB685-D947-45C5-86DA-A78E0743E074}" dt="2018-10-08T04:05:47.707" v="342" actId="20577"/>
-          <ac:spMkLst>
-            <pc:docMk/>
-            <pc:sldMk cId="4084096857" sldId="290"/>
-            <ac:spMk id="4" creationId="{47BF13C9-597F-4101-B226-A0C8AB06CB95}"/>
-          </ac:spMkLst>
-        </pc:spChg>
-        <pc:picChg chg="add mod">
-          <ac:chgData name="Rafael C." userId="ffa83960b425c528" providerId="LiveId" clId="{7A0BB685-D947-45C5-86DA-A78E0743E074}" dt="2018-10-08T04:05:57.461" v="345" actId="1076"/>
+        <pc:picChg chg="del">
+          <ac:chgData name="Rafael C." userId="ffa83960b425c528" providerId="LiveId" clId="{634AEEBE-2C83-40EB-B8F9-9379CEF9C6EC}" dt="2019-08-06T16:32:58.734" v="6" actId="478"/>
           <ac:picMkLst>
             <pc:docMk/>
             <pc:sldMk cId="4084096857" sldId="290"/>
-            <ac:picMk id="6" creationId="{8774FE60-1DC7-489C-861C-CB0BE90180A3}"/>
-          </ac:picMkLst>
-        </pc:picChg>
-        <pc:picChg chg="del">
-          <ac:chgData name="Rafael C." userId="ffa83960b425c528" providerId="LiveId" clId="{7A0BB685-D947-45C5-86DA-A78E0743E074}" dt="2018-10-08T04:05:23.921" v="318" actId="478"/>
-          <ac:picMkLst>
-            <pc:docMk/>
-            <pc:sldMk cId="4084096857" sldId="290"/>
-            <ac:picMk id="8" creationId="{93106372-D95E-4BE0-9350-33C693A891C0}"/>
+            <ac:picMk id="8" creationId="{00000000-0000-0000-0000-000000000000}"/>
           </ac:picMkLst>
         </pc:picChg>
       </pc:sldChg>
-      <pc:sldChg chg="addSp delSp modSp add">
-        <pc:chgData name="Rafael C." userId="ffa83960b425c528" providerId="LiveId" clId="{7A0BB685-D947-45C5-86DA-A78E0743E074}" dt="2018-10-08T04:07:43.964" v="374" actId="1076"/>
+      <pc:sldChg chg="delSp">
+        <pc:chgData name="Rafael C." userId="ffa83960b425c528" providerId="LiveId" clId="{634AEEBE-2C83-40EB-B8F9-9379CEF9C6EC}" dt="2019-08-06T16:33:00.702" v="7" actId="478"/>
         <pc:sldMkLst>
           <pc:docMk/>
           <pc:sldMk cId="3313645952" sldId="291"/>
         </pc:sldMkLst>
-        <pc:spChg chg="mod">
-          <ac:chgData name="Rafael C." userId="ffa83960b425c528" providerId="LiveId" clId="{7A0BB685-D947-45C5-86DA-A78E0743E074}" dt="2018-10-08T04:06:54.552" v="354" actId="20577"/>
-          <ac:spMkLst>
-            <pc:docMk/>
-            <pc:sldMk cId="3313645952" sldId="291"/>
-            <ac:spMk id="4" creationId="{47BF13C9-597F-4101-B226-A0C8AB06CB95}"/>
-          </ac:spMkLst>
-        </pc:spChg>
-        <pc:picChg chg="del ord">
-          <ac:chgData name="Rafael C." userId="ffa83960b425c528" providerId="LiveId" clId="{7A0BB685-D947-45C5-86DA-A78E0743E074}" dt="2018-10-08T04:06:31.684" v="349" actId="478"/>
+        <pc:picChg chg="del">
+          <ac:chgData name="Rafael C." userId="ffa83960b425c528" providerId="LiveId" clId="{634AEEBE-2C83-40EB-B8F9-9379CEF9C6EC}" dt="2019-08-06T16:33:00.702" v="7" actId="478"/>
           <ac:picMkLst>
             <pc:docMk/>
             <pc:sldMk cId="3313645952" sldId="291"/>
-            <ac:picMk id="6" creationId="{8774FE60-1DC7-489C-861C-CB0BE90180A3}"/>
-          </ac:picMkLst>
-        </pc:picChg>
-        <pc:picChg chg="add mod">
-          <ac:chgData name="Rafael C." userId="ffa83960b425c528" providerId="LiveId" clId="{7A0BB685-D947-45C5-86DA-A78E0743E074}" dt="2018-10-08T04:07:43.964" v="374" actId="1076"/>
-          <ac:picMkLst>
-            <pc:docMk/>
-            <pc:sldMk cId="3313645952" sldId="291"/>
-            <ac:picMk id="8" creationId="{151410AC-A6F3-4715-AAB6-912B69E8422B}"/>
+            <ac:picMk id="6" creationId="{00000000-0000-0000-0000-000000000000}"/>
           </ac:picMkLst>
         </pc:picChg>
       </pc:sldChg>
-      <pc:sldChg chg="addSp delSp modSp add">
-        <pc:chgData name="Rafael C." userId="ffa83960b425c528" providerId="LiveId" clId="{7A0BB685-D947-45C5-86DA-A78E0743E074}" dt="2018-10-08T04:07:36.846" v="372" actId="1076"/>
+      <pc:sldChg chg="delSp">
+        <pc:chgData name="Rafael C." userId="ffa83960b425c528" providerId="LiveId" clId="{634AEEBE-2C83-40EB-B8F9-9379CEF9C6EC}" dt="2019-08-06T16:33:02.828" v="8" actId="478"/>
         <pc:sldMkLst>
           <pc:docMk/>
           <pc:sldMk cId="2383109311" sldId="292"/>
         </pc:sldMkLst>
-        <pc:spChg chg="mod">
-          <ac:chgData name="Rafael C." userId="ffa83960b425c528" providerId="LiveId" clId="{7A0BB685-D947-45C5-86DA-A78E0743E074}" dt="2018-10-08T04:07:18.148" v="367" actId="20577"/>
-          <ac:spMkLst>
-            <pc:docMk/>
-            <pc:sldMk cId="2383109311" sldId="292"/>
-            <ac:spMk id="4" creationId="{47BF13C9-597F-4101-B226-A0C8AB06CB95}"/>
-          </ac:spMkLst>
-        </pc:spChg>
-        <pc:picChg chg="add mod">
-          <ac:chgData name="Rafael C." userId="ffa83960b425c528" providerId="LiveId" clId="{7A0BB685-D947-45C5-86DA-A78E0743E074}" dt="2018-10-08T04:07:36.846" v="372" actId="1076"/>
+        <pc:picChg chg="del">
+          <ac:chgData name="Rafael C." userId="ffa83960b425c528" providerId="LiveId" clId="{634AEEBE-2C83-40EB-B8F9-9379CEF9C6EC}" dt="2019-08-06T16:33:02.828" v="8" actId="478"/>
           <ac:picMkLst>
             <pc:docMk/>
             <pc:sldMk cId="2383109311" sldId="292"/>
-            <ac:picMk id="6" creationId="{98C037D7-9F49-40A5-9291-4984BC3C0306}"/>
-          </ac:picMkLst>
-        </pc:picChg>
-        <pc:picChg chg="del">
-          <ac:chgData name="Rafael C." userId="ffa83960b425c528" providerId="LiveId" clId="{7A0BB685-D947-45C5-86DA-A78E0743E074}" dt="2018-10-08T04:07:20.182" v="368" actId="478"/>
-          <ac:picMkLst>
-            <pc:docMk/>
-            <pc:sldMk cId="2383109311" sldId="292"/>
-            <ac:picMk id="8" creationId="{151410AC-A6F3-4715-AAB6-912B69E8422B}"/>
+            <ac:picMk id="8" creationId="{00000000-0000-0000-0000-000000000000}"/>
           </ac:picMkLst>
         </pc:picChg>
       </pc:sldChg>
-      <pc:sldChg chg="addSp delSp modSp add del">
-        <pc:chgData name="Rafael C." userId="ffa83960b425c528" providerId="LiveId" clId="{7A0BB685-D947-45C5-86DA-A78E0743E074}" dt="2018-10-08T04:10:19.612" v="413" actId="20577"/>
+      <pc:sldChg chg="delSp">
+        <pc:chgData name="Rafael C." userId="ffa83960b425c528" providerId="LiveId" clId="{634AEEBE-2C83-40EB-B8F9-9379CEF9C6EC}" dt="2019-08-06T16:33:05.172" v="9" actId="478"/>
         <pc:sldMkLst>
           <pc:docMk/>
           <pc:sldMk cId="438034783" sldId="293"/>
         </pc:sldMkLst>
-        <pc:spChg chg="mod">
-          <ac:chgData name="Rafael C." userId="ffa83960b425c528" providerId="LiveId" clId="{7A0BB685-D947-45C5-86DA-A78E0743E074}" dt="2018-10-08T04:10:19.612" v="413" actId="20577"/>
-          <ac:spMkLst>
-            <pc:docMk/>
-            <pc:sldMk cId="438034783" sldId="293"/>
-            <ac:spMk id="4" creationId="{47BF13C9-597F-4101-B226-A0C8AB06CB95}"/>
-          </ac:spMkLst>
-        </pc:spChg>
-        <pc:graphicFrameChg chg="add mod modGraphic">
-          <ac:chgData name="Rafael C." userId="ffa83960b425c528" providerId="LiveId" clId="{7A0BB685-D947-45C5-86DA-A78E0743E074}" dt="2018-10-08T04:09:21.546" v="391" actId="14100"/>
-          <ac:graphicFrameMkLst>
-            <pc:docMk/>
-            <pc:sldMk cId="438034783" sldId="293"/>
-            <ac:graphicFrameMk id="8" creationId="{BCF64E1A-96A1-4FF9-ADB2-94DD29A43383}"/>
-          </ac:graphicFrameMkLst>
-        </pc:graphicFrameChg>
         <pc:picChg chg="del">
-          <ac:chgData name="Rafael C." userId="ffa83960b425c528" providerId="LiveId" clId="{7A0BB685-D947-45C5-86DA-A78E0743E074}" dt="2018-10-08T04:08:04.111" v="387" actId="478"/>
+          <ac:chgData name="Rafael C." userId="ffa83960b425c528" providerId="LiveId" clId="{634AEEBE-2C83-40EB-B8F9-9379CEF9C6EC}" dt="2019-08-06T16:33:05.172" v="9" actId="478"/>
           <ac:picMkLst>
             <pc:docMk/>
             <pc:sldMk cId="438034783" sldId="293"/>
-            <ac:picMk id="6" creationId="{98C037D7-9F49-40A5-9291-4984BC3C0306}"/>
+            <ac:picMk id="6" creationId="{00000000-0000-0000-0000-000000000000}"/>
           </ac:picMkLst>
         </pc:picChg>
       </pc:sldChg>
-      <pc:sldChg chg="addSp delSp modSp add">
-        <pc:chgData name="Rafael C." userId="ffa83960b425c528" providerId="LiveId" clId="{7A0BB685-D947-45C5-86DA-A78E0743E074}" dt="2018-10-08T04:10:40.057" v="418" actId="1076"/>
+      <pc:sldChg chg="delSp">
+        <pc:chgData name="Rafael C." userId="ffa83960b425c528" providerId="LiveId" clId="{634AEEBE-2C83-40EB-B8F9-9379CEF9C6EC}" dt="2019-08-06T16:33:07.812" v="10" actId="478"/>
         <pc:sldMkLst>
           <pc:docMk/>
           <pc:sldMk cId="513245150" sldId="294"/>
         </pc:sldMkLst>
-        <pc:spChg chg="mod">
-          <ac:chgData name="Rafael C." userId="ffa83960b425c528" providerId="LiveId" clId="{7A0BB685-D947-45C5-86DA-A78E0743E074}" dt="2018-10-08T04:10:25.211" v="414"/>
-          <ac:spMkLst>
-            <pc:docMk/>
-            <pc:sldMk cId="513245150" sldId="294"/>
-            <ac:spMk id="4" creationId="{47BF13C9-597F-4101-B226-A0C8AB06CB95}"/>
-          </ac:spMkLst>
-        </pc:spChg>
-        <pc:graphicFrameChg chg="del modGraphic">
-          <ac:chgData name="Rafael C." userId="ffa83960b425c528" providerId="LiveId" clId="{7A0BB685-D947-45C5-86DA-A78E0743E074}" dt="2018-10-08T04:10:08" v="396" actId="478"/>
-          <ac:graphicFrameMkLst>
-            <pc:docMk/>
-            <pc:sldMk cId="513245150" sldId="294"/>
-            <ac:graphicFrameMk id="8" creationId="{BCF64E1A-96A1-4FF9-ADB2-94DD29A43383}"/>
-          </ac:graphicFrameMkLst>
-        </pc:graphicFrameChg>
-        <pc:picChg chg="add mod">
-          <ac:chgData name="Rafael C." userId="ffa83960b425c528" providerId="LiveId" clId="{7A0BB685-D947-45C5-86DA-A78E0743E074}" dt="2018-10-08T04:10:28.595" v="415" actId="14100"/>
+        <pc:picChg chg="del">
+          <ac:chgData name="Rafael C." userId="ffa83960b425c528" providerId="LiveId" clId="{634AEEBE-2C83-40EB-B8F9-9379CEF9C6EC}" dt="2019-08-06T16:33:07.812" v="10" actId="478"/>
           <ac:picMkLst>
             <pc:docMk/>
             <pc:sldMk cId="513245150" sldId="294"/>
-            <ac:picMk id="6" creationId="{69749E9C-BAA5-4BE4-BDB1-3377B532ADDF}"/>
-          </ac:picMkLst>
-        </pc:picChg>
-        <pc:picChg chg="add mod">
-          <ac:chgData name="Rafael C." userId="ffa83960b425c528" providerId="LiveId" clId="{7A0BB685-D947-45C5-86DA-A78E0743E074}" dt="2018-10-08T04:10:40.057" v="418" actId="1076"/>
-          <ac:picMkLst>
-            <pc:docMk/>
-            <pc:sldMk cId="513245150" sldId="294"/>
-            <ac:picMk id="9" creationId="{14543DB7-C012-47D5-8BE2-962B439D32D7}"/>
+            <ac:picMk id="8" creationId="{00000000-0000-0000-0000-000000000000}"/>
           </ac:picMkLst>
         </pc:picChg>
       </pc:sldChg>
@@ -1590,13 +1321,6 @@
         </dgm:presLayoutVars>
       </dgm:prSet>
       <dgm:spPr/>
-      <dgm:t>
-        <a:bodyPr/>
-        <a:lstStyle/>
-        <a:p>
-          <a:endParaRPr lang="es-ES"/>
-        </a:p>
-      </dgm:t>
     </dgm:pt>
     <dgm:pt modelId="{BFE93DD5-FC32-401C-A75A-C583F465B88A}" type="pres">
       <dgm:prSet presAssocID="{016D94E9-3223-4E88-9954-CD96CBC9357E}" presName="arrow" presStyleLbl="bgShp" presStyleIdx="0" presStyleCnt="1"/>
@@ -1613,13 +1337,6 @@
         </dgm:presLayoutVars>
       </dgm:prSet>
       <dgm:spPr/>
-      <dgm:t>
-        <a:bodyPr/>
-        <a:lstStyle/>
-        <a:p>
-          <a:endParaRPr lang="es-ES"/>
-        </a:p>
-      </dgm:t>
     </dgm:pt>
     <dgm:pt modelId="{F5F4A9DB-DD7B-47E3-9ED3-6F271D6EDEA1}" type="pres">
       <dgm:prSet presAssocID="{21C76E39-F4AB-4EFF-B5B6-C43274BC0EC9}" presName="sibTrans" presStyleCnt="0"/>
@@ -1632,13 +1349,6 @@
         </dgm:presLayoutVars>
       </dgm:prSet>
       <dgm:spPr/>
-      <dgm:t>
-        <a:bodyPr/>
-        <a:lstStyle/>
-        <a:p>
-          <a:endParaRPr lang="es-ES"/>
-        </a:p>
-      </dgm:t>
     </dgm:pt>
     <dgm:pt modelId="{1FD9DC20-2472-4FE6-9988-411F3E6D2B24}" type="pres">
       <dgm:prSet presAssocID="{61CB5EDD-2E67-4C37-9A26-B01B56FFD572}" presName="sibTrans" presStyleCnt="0"/>
@@ -1651,13 +1361,6 @@
         </dgm:presLayoutVars>
       </dgm:prSet>
       <dgm:spPr/>
-      <dgm:t>
-        <a:bodyPr/>
-        <a:lstStyle/>
-        <a:p>
-          <a:endParaRPr lang="es-ES"/>
-        </a:p>
-      </dgm:t>
     </dgm:pt>
     <dgm:pt modelId="{4026000C-91F4-4AED-87EF-9151FFDD61BD}" type="pres">
       <dgm:prSet presAssocID="{78F487FB-8AD1-4CEB-AF6D-E1984FDF1AAB}" presName="sibTrans" presStyleCnt="0"/>
@@ -1670,25 +1373,18 @@
         </dgm:presLayoutVars>
       </dgm:prSet>
       <dgm:spPr/>
-      <dgm:t>
-        <a:bodyPr/>
-        <a:lstStyle/>
-        <a:p>
-          <a:endParaRPr lang="es-ES"/>
-        </a:p>
-      </dgm:t>
     </dgm:pt>
   </dgm:ptLst>
   <dgm:cxnLst>
+    <dgm:cxn modelId="{9D087B21-7ABF-4971-BBFC-C974DC6B3C96}" type="presOf" srcId="{215A01BC-4E99-4B6B-98DC-F87E74DB7FFF}" destId="{83B43B41-DDB7-4B71-A20C-CE1DB402AEF4}" srcOrd="0" destOrd="0" presId="urn:microsoft.com/office/officeart/2005/8/layout/hProcess9"/>
+    <dgm:cxn modelId="{BDA42E60-1FFE-4417-9605-872A6124B4CB}" srcId="{016D94E9-3223-4E88-9954-CD96CBC9357E}" destId="{215A01BC-4E99-4B6B-98DC-F87E74DB7FFF}" srcOrd="2" destOrd="0" parTransId="{489C5626-4077-427C-90A3-52167C4B6E17}" sibTransId="{78F487FB-8AD1-4CEB-AF6D-E1984FDF1AAB}"/>
+    <dgm:cxn modelId="{ED10F249-5A56-4A23-B9BC-C45678B0E0A9}" type="presOf" srcId="{016D94E9-3223-4E88-9954-CD96CBC9357E}" destId="{85F9DE18-D132-46B5-B2DB-2383FD3BE623}" srcOrd="0" destOrd="0" presId="urn:microsoft.com/office/officeart/2005/8/layout/hProcess9"/>
+    <dgm:cxn modelId="{647D7583-F3B9-4AFA-B707-9B7B7E36B0A9}" srcId="{016D94E9-3223-4E88-9954-CD96CBC9357E}" destId="{3994376D-DC53-4E3D-BECB-64E1EB0497F6}" srcOrd="3" destOrd="0" parTransId="{A1BFDB76-F6D8-441E-8BA5-DF27530949F5}" sibTransId="{D209AC57-2C50-489E-B736-94267674C81C}"/>
+    <dgm:cxn modelId="{FC141B89-1476-4610-94CE-E0A6FC87BD2C}" type="presOf" srcId="{73C715E0-F90C-45F9-9690-1E6567F8ED16}" destId="{D949D2A1-FF2A-4255-80B8-ACF208ED7330}" srcOrd="0" destOrd="0" presId="urn:microsoft.com/office/officeart/2005/8/layout/hProcess9"/>
+    <dgm:cxn modelId="{2A774491-A76F-4DAE-A163-135EB71CAFE1}" srcId="{016D94E9-3223-4E88-9954-CD96CBC9357E}" destId="{73C715E0-F90C-45F9-9690-1E6567F8ED16}" srcOrd="1" destOrd="0" parTransId="{7F5826C0-0A57-4F01-A111-02F6DFFF78B0}" sibTransId="{61CB5EDD-2E67-4C37-9A26-B01B56FFD572}"/>
+    <dgm:cxn modelId="{A26A98AE-315C-4318-BD3B-7AD740647693}" srcId="{016D94E9-3223-4E88-9954-CD96CBC9357E}" destId="{5CDEA72D-5B21-404C-832B-7AB371D711B1}" srcOrd="0" destOrd="0" parTransId="{A1CAEC69-4AE4-498D-8A36-3F713EC4DDBC}" sibTransId="{21C76E39-F4AB-4EFF-B5B6-C43274BC0EC9}"/>
+    <dgm:cxn modelId="{EEAA09EB-0C70-470C-ACCC-DB6C258F4A49}" type="presOf" srcId="{3994376D-DC53-4E3D-BECB-64E1EB0497F6}" destId="{A979D57B-DFAD-4B39-BB38-862577EA50C8}" srcOrd="0" destOrd="0" presId="urn:microsoft.com/office/officeart/2005/8/layout/hProcess9"/>
     <dgm:cxn modelId="{7D9E2DFA-A7A9-4651-9886-BC0576B0B1FB}" type="presOf" srcId="{5CDEA72D-5B21-404C-832B-7AB371D711B1}" destId="{8F5B59FB-A106-4D54-85EE-1AC9B88E4DD7}" srcOrd="0" destOrd="0" presId="urn:microsoft.com/office/officeart/2005/8/layout/hProcess9"/>
-    <dgm:cxn modelId="{BDA42E60-1FFE-4417-9605-872A6124B4CB}" srcId="{016D94E9-3223-4E88-9954-CD96CBC9357E}" destId="{215A01BC-4E99-4B6B-98DC-F87E74DB7FFF}" srcOrd="2" destOrd="0" parTransId="{489C5626-4077-427C-90A3-52167C4B6E17}" sibTransId="{78F487FB-8AD1-4CEB-AF6D-E1984FDF1AAB}"/>
-    <dgm:cxn modelId="{2A774491-A76F-4DAE-A163-135EB71CAFE1}" srcId="{016D94E9-3223-4E88-9954-CD96CBC9357E}" destId="{73C715E0-F90C-45F9-9690-1E6567F8ED16}" srcOrd="1" destOrd="0" parTransId="{7F5826C0-0A57-4F01-A111-02F6DFFF78B0}" sibTransId="{61CB5EDD-2E67-4C37-9A26-B01B56FFD572}"/>
-    <dgm:cxn modelId="{9D087B21-7ABF-4971-BBFC-C974DC6B3C96}" type="presOf" srcId="{215A01BC-4E99-4B6B-98DC-F87E74DB7FFF}" destId="{83B43B41-DDB7-4B71-A20C-CE1DB402AEF4}" srcOrd="0" destOrd="0" presId="urn:microsoft.com/office/officeart/2005/8/layout/hProcess9"/>
-    <dgm:cxn modelId="{EEAA09EB-0C70-470C-ACCC-DB6C258F4A49}" type="presOf" srcId="{3994376D-DC53-4E3D-BECB-64E1EB0497F6}" destId="{A979D57B-DFAD-4B39-BB38-862577EA50C8}" srcOrd="0" destOrd="0" presId="urn:microsoft.com/office/officeart/2005/8/layout/hProcess9"/>
-    <dgm:cxn modelId="{647D7583-F3B9-4AFA-B707-9B7B7E36B0A9}" srcId="{016D94E9-3223-4E88-9954-CD96CBC9357E}" destId="{3994376D-DC53-4E3D-BECB-64E1EB0497F6}" srcOrd="3" destOrd="0" parTransId="{A1BFDB76-F6D8-441E-8BA5-DF27530949F5}" sibTransId="{D209AC57-2C50-489E-B736-94267674C81C}"/>
-    <dgm:cxn modelId="{A26A98AE-315C-4318-BD3B-7AD740647693}" srcId="{016D94E9-3223-4E88-9954-CD96CBC9357E}" destId="{5CDEA72D-5B21-404C-832B-7AB371D711B1}" srcOrd="0" destOrd="0" parTransId="{A1CAEC69-4AE4-498D-8A36-3F713EC4DDBC}" sibTransId="{21C76E39-F4AB-4EFF-B5B6-C43274BC0EC9}"/>
-    <dgm:cxn modelId="{ED10F249-5A56-4A23-B9BC-C45678B0E0A9}" type="presOf" srcId="{016D94E9-3223-4E88-9954-CD96CBC9357E}" destId="{85F9DE18-D132-46B5-B2DB-2383FD3BE623}" srcOrd="0" destOrd="0" presId="urn:microsoft.com/office/officeart/2005/8/layout/hProcess9"/>
-    <dgm:cxn modelId="{FC141B89-1476-4610-94CE-E0A6FC87BD2C}" type="presOf" srcId="{73C715E0-F90C-45F9-9690-1E6567F8ED16}" destId="{D949D2A1-FF2A-4255-80B8-ACF208ED7330}" srcOrd="0" destOrd="0" presId="urn:microsoft.com/office/officeart/2005/8/layout/hProcess9"/>
     <dgm:cxn modelId="{CBCCD61D-33F5-46E3-BFAE-8DD8E5ACC210}" type="presParOf" srcId="{85F9DE18-D132-46B5-B2DB-2383FD3BE623}" destId="{BFE93DD5-FC32-401C-A75A-C583F465B88A}" srcOrd="0" destOrd="0" presId="urn:microsoft.com/office/officeart/2005/8/layout/hProcess9"/>
     <dgm:cxn modelId="{45BF5FBB-4E67-4813-BC3E-EF84FB899C6C}" type="presParOf" srcId="{85F9DE18-D132-46B5-B2DB-2383FD3BE623}" destId="{083F7534-1AA0-40C0-B191-E2B20BE4D872}" srcOrd="1" destOrd="0" presId="urn:microsoft.com/office/officeart/2005/8/layout/hProcess9"/>
     <dgm:cxn modelId="{CC4C298B-8540-4F74-BD66-FCF54E809FE7}" type="presParOf" srcId="{083F7534-1AA0-40C0-B191-E2B20BE4D872}" destId="{8F5B59FB-A106-4D54-85EE-1AC9B88E4DD7}" srcOrd="0" destOrd="0" presId="urn:microsoft.com/office/officeart/2005/8/layout/hProcess9"/>
@@ -1815,7 +1511,7 @@
         </a:bodyPr>
         <a:lstStyle/>
         <a:p>
-          <a:pPr lvl="0" algn="ctr" defTabSz="1244600">
+          <a:pPr marL="0" lvl="0" indent="0" algn="ctr" defTabSz="1244600">
             <a:lnSpc>
               <a:spcPct val="90000"/>
             </a:lnSpc>
@@ -1825,6 +1521,7 @@
             <a:spcAft>
               <a:spcPct val="35000"/>
             </a:spcAft>
+            <a:buNone/>
           </a:pPr>
           <a:r>
             <a:rPr lang="es-AR" sz="2800" b="0" i="0" kern="1200" baseline="0" dirty="0"/>
@@ -1893,7 +1590,7 @@
         </a:bodyPr>
         <a:lstStyle/>
         <a:p>
-          <a:pPr lvl="0" algn="ctr" defTabSz="1244600">
+          <a:pPr marL="0" lvl="0" indent="0" algn="ctr" defTabSz="1244600">
             <a:lnSpc>
               <a:spcPct val="90000"/>
             </a:lnSpc>
@@ -1903,6 +1600,7 @@
             <a:spcAft>
               <a:spcPct val="35000"/>
             </a:spcAft>
+            <a:buNone/>
           </a:pPr>
           <a:r>
             <a:rPr lang="es-AR" sz="2800" b="0" i="0" kern="1200" baseline="0" dirty="0"/>
@@ -1971,7 +1669,7 @@
         </a:bodyPr>
         <a:lstStyle/>
         <a:p>
-          <a:pPr lvl="0" algn="ctr" defTabSz="1244600">
+          <a:pPr marL="0" lvl="0" indent="0" algn="ctr" defTabSz="1244600">
             <a:lnSpc>
               <a:spcPct val="90000"/>
             </a:lnSpc>
@@ -1981,6 +1679,7 @@
             <a:spcAft>
               <a:spcPct val="35000"/>
             </a:spcAft>
+            <a:buNone/>
           </a:pPr>
           <a:r>
             <a:rPr lang="es-AR" sz="2800" kern="1200" dirty="0"/>
@@ -2048,7 +1747,7 @@
         </a:bodyPr>
         <a:lstStyle/>
         <a:p>
-          <a:pPr lvl="0" algn="ctr" defTabSz="1244600">
+          <a:pPr marL="0" lvl="0" indent="0" algn="ctr" defTabSz="1244600">
             <a:lnSpc>
               <a:spcPct val="90000"/>
             </a:lnSpc>
@@ -2058,6 +1757,7 @@
             <a:spcAft>
               <a:spcPct val="35000"/>
             </a:spcAft>
+            <a:buNone/>
           </a:pPr>
           <a:r>
             <a:rPr lang="es-AR" sz="2800" b="0" kern="1200" baseline="0" dirty="0"/>
@@ -3345,7 +3045,7 @@
           <a:p>
             <a:fld id="{1B690E39-F30C-4A14-BE95-FF764D57248C}" type="datetimeFigureOut">
               <a:rPr lang="es-AR" smtClean="0"/>
-              <a:t>01/11/2018</a:t>
+              <a:t>6/8/2019</a:t>
             </a:fld>
             <a:endParaRPr lang="es-AR"/>
           </a:p>
@@ -12160,7 +11860,7 @@
           <p:cNvPr id="4" name="2 CuadroTexto">
             <a:extLst>
               <a:ext uri="{FF2B5EF4-FFF2-40B4-BE49-F238E27FC236}">
-                <a16:creationId xmlns:a16="http://schemas.microsoft.com/office/drawing/2014/main" xmlns="" id="{79AD52D0-06D4-4493-91EA-6C4E014DE8E7}"/>
+                <a16:creationId xmlns:a16="http://schemas.microsoft.com/office/drawing/2014/main" id="{79AD52D0-06D4-4493-91EA-6C4E014DE8E7}"/>
               </a:ext>
             </a:extLst>
           </p:cNvPr>
@@ -12185,7 +11885,6 @@
           <a:ln>
             <a:noFill/>
           </a:ln>
-          <a:extLst/>
         </p:spPr>
         <p:txBody>
           <a:bodyPr wrap="square" anchor="ctr">
@@ -12240,47 +11939,6 @@
           </a:p>
         </p:txBody>
       </p:sp>
-      <p:pic>
-        <p:nvPicPr>
-          <p:cNvPr id="5" name="Picture 4" descr="C:\Users\rcrescenzi\OneDrive\docencia\UCEMA\ucema_logo.png"/>
-          <p:cNvPicPr>
-            <a:picLocks noChangeAspect="1" noChangeArrowheads="1"/>
-          </p:cNvPicPr>
-          <p:nvPr/>
-        </p:nvPicPr>
-        <p:blipFill>
-          <a:blip r:embed="rId4" cstate="print">
-            <a:extLst>
-              <a:ext uri="{28A0092B-C50C-407E-A947-70E740481C1C}">
-                <a14:useLocalDpi xmlns:a14="http://schemas.microsoft.com/office/drawing/2010/main" val="0"/>
-              </a:ext>
-            </a:extLst>
-          </a:blip>
-          <a:srcRect/>
-          <a:stretch>
-            <a:fillRect/>
-          </a:stretch>
-        </p:blipFill>
-        <p:spPr bwMode="auto">
-          <a:xfrm>
-            <a:off x="2783114" y="0"/>
-            <a:ext cx="6625772" cy="2425831"/>
-          </a:xfrm>
-          <a:prstGeom prst="rect">
-            <a:avLst/>
-          </a:prstGeom>
-          <a:noFill/>
-          <a:extLst>
-            <a:ext uri="{909E8E84-426E-40DD-AFC4-6F175D3DCCD1}">
-              <a14:hiddenFill xmlns:a14="http://schemas.microsoft.com/office/drawing/2010/main">
-                <a:solidFill>
-                  <a:srgbClr val="FFFFFF"/>
-                </a:solidFill>
-              </a14:hiddenFill>
-            </a:ext>
-          </a:extLst>
-        </p:spPr>
-      </p:pic>
     </p:spTree>
     <p:extLst>
       <p:ext uri="{BB962C8B-B14F-4D97-AF65-F5344CB8AC3E}">
@@ -12356,7 +12014,7 @@
           <p:cNvPr id="4" name="1 Rectángulo">
             <a:extLst>
               <a:ext uri="{FF2B5EF4-FFF2-40B4-BE49-F238E27FC236}">
-                <a16:creationId xmlns:a16="http://schemas.microsoft.com/office/drawing/2014/main" xmlns="" id="{47BF13C9-597F-4101-B226-A0C8AB06CB95}"/>
+                <a16:creationId xmlns:a16="http://schemas.microsoft.com/office/drawing/2014/main" id="{47BF13C9-597F-4101-B226-A0C8AB06CB95}"/>
               </a:ext>
             </a:extLst>
           </p:cNvPr>
@@ -12381,7 +12039,6 @@
           <a:ln>
             <a:noFill/>
           </a:ln>
-          <a:extLst/>
         </p:spPr>
         <p:txBody>
           <a:bodyPr anchor="ctr"/>
@@ -12461,7 +12118,7 @@
           <p:cNvPr id="7" name="1 Rectángulo">
             <a:extLst>
               <a:ext uri="{FF2B5EF4-FFF2-40B4-BE49-F238E27FC236}">
-                <a16:creationId xmlns:a16="http://schemas.microsoft.com/office/drawing/2014/main" xmlns="" id="{EA3DA6CF-43F0-463B-8C5B-8459B50B3A41}"/>
+                <a16:creationId xmlns:a16="http://schemas.microsoft.com/office/drawing/2014/main" id="{EA3DA6CF-43F0-463B-8C5B-8459B50B3A41}"/>
               </a:ext>
             </a:extLst>
           </p:cNvPr>
@@ -12486,7 +12143,6 @@
           <a:ln>
             <a:noFill/>
           </a:ln>
-          <a:extLst/>
         </p:spPr>
         <p:txBody>
           <a:bodyPr anchor="ctr"/>
@@ -12524,7 +12180,7 @@
           <p:cNvPr id="8" name="Tabla 7">
             <a:extLst>
               <a:ext uri="{FF2B5EF4-FFF2-40B4-BE49-F238E27FC236}">
-                <a16:creationId xmlns:a16="http://schemas.microsoft.com/office/drawing/2014/main" xmlns="" id="{BCF64E1A-96A1-4FF9-ADB2-94DD29A43383}"/>
+                <a16:creationId xmlns:a16="http://schemas.microsoft.com/office/drawing/2014/main" id="{BCF64E1A-96A1-4FF9-ADB2-94DD29A43383}"/>
               </a:ext>
             </a:extLst>
           </p:cNvPr>
@@ -12553,14 +12209,14 @@
                 <a:gridCol w="5817706">
                   <a:extLst>
                     <a:ext uri="{9D8B030D-6E8A-4147-A177-3AD203B41FA5}">
-                      <a16:colId xmlns:a16="http://schemas.microsoft.com/office/drawing/2014/main" xmlns="" val="4104913619"/>
+                      <a16:colId xmlns:a16="http://schemas.microsoft.com/office/drawing/2014/main" val="4104913619"/>
                     </a:ext>
                   </a:extLst>
                 </a:gridCol>
                 <a:gridCol w="5817706">
                   <a:extLst>
                     <a:ext uri="{9D8B030D-6E8A-4147-A177-3AD203B41FA5}">
-                      <a16:colId xmlns:a16="http://schemas.microsoft.com/office/drawing/2014/main" xmlns="" val="3554353016"/>
+                      <a16:colId xmlns:a16="http://schemas.microsoft.com/office/drawing/2014/main" val="3554353016"/>
                     </a:ext>
                   </a:extLst>
                 </a:gridCol>
@@ -12596,7 +12252,7 @@
                 </a:tc>
                 <a:extLst>
                   <a:ext uri="{0D108BD9-81ED-4DB2-BD59-A6C34878D82A}">
-                    <a16:rowId xmlns:a16="http://schemas.microsoft.com/office/drawing/2014/main" xmlns="" val="3351496570"/>
+                    <a16:rowId xmlns:a16="http://schemas.microsoft.com/office/drawing/2014/main" val="3351496570"/>
                   </a:ext>
                 </a:extLst>
               </a:tr>
@@ -12634,7 +12290,7 @@
                 </a:tc>
                 <a:extLst>
                   <a:ext uri="{0D108BD9-81ED-4DB2-BD59-A6C34878D82A}">
-                    <a16:rowId xmlns:a16="http://schemas.microsoft.com/office/drawing/2014/main" xmlns="" val="1259605136"/>
+                    <a16:rowId xmlns:a16="http://schemas.microsoft.com/office/drawing/2014/main" val="1259605136"/>
                   </a:ext>
                 </a:extLst>
               </a:tr>
@@ -12667,7 +12323,7 @@
                 </a:tc>
                 <a:extLst>
                   <a:ext uri="{0D108BD9-81ED-4DB2-BD59-A6C34878D82A}">
-                    <a16:rowId xmlns:a16="http://schemas.microsoft.com/office/drawing/2014/main" xmlns="" val="2573670404"/>
+                    <a16:rowId xmlns:a16="http://schemas.microsoft.com/office/drawing/2014/main" val="2573670404"/>
                   </a:ext>
                 </a:extLst>
               </a:tr>
@@ -12726,7 +12382,7 @@
                 </a:tc>
                 <a:extLst>
                   <a:ext uri="{0D108BD9-81ED-4DB2-BD59-A6C34878D82A}">
-                    <a16:rowId xmlns:a16="http://schemas.microsoft.com/office/drawing/2014/main" xmlns="" val="564639324"/>
+                    <a16:rowId xmlns:a16="http://schemas.microsoft.com/office/drawing/2014/main" val="564639324"/>
                   </a:ext>
                 </a:extLst>
               </a:tr>
@@ -12734,47 +12390,6 @@
           </a:graphicData>
         </a:graphic>
       </p:graphicFrame>
-      <p:pic>
-        <p:nvPicPr>
-          <p:cNvPr id="6" name="Picture 4" descr="C:\Users\rcrescenzi\OneDrive\docencia\UCEMA\ucema_logo.png"/>
-          <p:cNvPicPr>
-            <a:picLocks noChangeAspect="1" noChangeArrowheads="1"/>
-          </p:cNvPicPr>
-          <p:nvPr/>
-        </p:nvPicPr>
-        <p:blipFill>
-          <a:blip r:embed="rId4" cstate="print">
-            <a:extLst>
-              <a:ext uri="{28A0092B-C50C-407E-A947-70E740481C1C}">
-                <a14:useLocalDpi xmlns:a14="http://schemas.microsoft.com/office/drawing/2010/main" val="0"/>
-              </a:ext>
-            </a:extLst>
-          </a:blip>
-          <a:srcRect/>
-          <a:stretch>
-            <a:fillRect/>
-          </a:stretch>
-        </p:blipFill>
-        <p:spPr bwMode="auto">
-          <a:xfrm>
-            <a:off x="8461829" y="-149930"/>
-            <a:ext cx="3672116" cy="1344437"/>
-          </a:xfrm>
-          <a:prstGeom prst="rect">
-            <a:avLst/>
-          </a:prstGeom>
-          <a:noFill/>
-          <a:extLst>
-            <a:ext uri="{909E8E84-426E-40DD-AFC4-6F175D3DCCD1}">
-              <a14:hiddenFill xmlns:a14="http://schemas.microsoft.com/office/drawing/2010/main">
-                <a:solidFill>
-                  <a:srgbClr val="FFFFFF"/>
-                </a:solidFill>
-              </a14:hiddenFill>
-            </a:ext>
-          </a:extLst>
-        </p:spPr>
-      </p:pic>
     </p:spTree>
     <p:extLst>
       <p:ext uri="{BB962C8B-B14F-4D97-AF65-F5344CB8AC3E}">
@@ -12850,7 +12465,7 @@
           <p:cNvPr id="4" name="1 Rectángulo">
             <a:extLst>
               <a:ext uri="{FF2B5EF4-FFF2-40B4-BE49-F238E27FC236}">
-                <a16:creationId xmlns:a16="http://schemas.microsoft.com/office/drawing/2014/main" xmlns="" id="{47BF13C9-597F-4101-B226-A0C8AB06CB95}"/>
+                <a16:creationId xmlns:a16="http://schemas.microsoft.com/office/drawing/2014/main" id="{47BF13C9-597F-4101-B226-A0C8AB06CB95}"/>
               </a:ext>
             </a:extLst>
           </p:cNvPr>
@@ -12875,7 +12490,6 @@
           <a:ln>
             <a:noFill/>
           </a:ln>
-          <a:extLst/>
         </p:spPr>
         <p:txBody>
           <a:bodyPr anchor="ctr"/>
@@ -12926,7 +12540,7 @@
           <p:cNvPr id="7" name="1 Rectángulo">
             <a:extLst>
               <a:ext uri="{FF2B5EF4-FFF2-40B4-BE49-F238E27FC236}">
-                <a16:creationId xmlns:a16="http://schemas.microsoft.com/office/drawing/2014/main" xmlns="" id="{EA3DA6CF-43F0-463B-8C5B-8459B50B3A41}"/>
+                <a16:creationId xmlns:a16="http://schemas.microsoft.com/office/drawing/2014/main" id="{EA3DA6CF-43F0-463B-8C5B-8459B50B3A41}"/>
               </a:ext>
             </a:extLst>
           </p:cNvPr>
@@ -12951,7 +12565,6 @@
           <a:ln>
             <a:noFill/>
           </a:ln>
-          <a:extLst/>
         </p:spPr>
         <p:txBody>
           <a:bodyPr anchor="ctr"/>
@@ -12989,7 +12602,7 @@
           <p:cNvPr id="6" name="Picture 4" descr="Resultado de imagen para r code factorial">
             <a:extLst>
               <a:ext uri="{FF2B5EF4-FFF2-40B4-BE49-F238E27FC236}">
-                <a16:creationId xmlns:a16="http://schemas.microsoft.com/office/drawing/2014/main" xmlns="" id="{69749E9C-BAA5-4BE4-BDB1-3377B532ADDF}"/>
+                <a16:creationId xmlns:a16="http://schemas.microsoft.com/office/drawing/2014/main" id="{69749E9C-BAA5-4BE4-BDB1-3377B532ADDF}"/>
               </a:ext>
             </a:extLst>
           </p:cNvPr>
@@ -13034,7 +12647,7 @@
           <p:cNvPr id="9" name="Picture 3">
             <a:extLst>
               <a:ext uri="{FF2B5EF4-FFF2-40B4-BE49-F238E27FC236}">
-                <a16:creationId xmlns:a16="http://schemas.microsoft.com/office/drawing/2014/main" xmlns="" id="{14543DB7-C012-47D5-8BE2-962B439D32D7}"/>
+                <a16:creationId xmlns:a16="http://schemas.microsoft.com/office/drawing/2014/main" id="{14543DB7-C012-47D5-8BE2-962B439D32D7}"/>
               </a:ext>
             </a:extLst>
           </p:cNvPr>
@@ -13085,47 +12698,6 @@
                 <a:headEnd/>
                 <a:tailEnd/>
               </a14:hiddenLine>
-            </a:ext>
-          </a:extLst>
-        </p:spPr>
-      </p:pic>
-      <p:pic>
-        <p:nvPicPr>
-          <p:cNvPr id="8" name="Picture 4" descr="C:\Users\rcrescenzi\OneDrive\docencia\UCEMA\ucema_logo.png"/>
-          <p:cNvPicPr>
-            <a:picLocks noChangeAspect="1" noChangeArrowheads="1"/>
-          </p:cNvPicPr>
-          <p:nvPr/>
-        </p:nvPicPr>
-        <p:blipFill>
-          <a:blip r:embed="rId6" cstate="print">
-            <a:extLst>
-              <a:ext uri="{28A0092B-C50C-407E-A947-70E740481C1C}">
-                <a14:useLocalDpi xmlns:a14="http://schemas.microsoft.com/office/drawing/2010/main" val="0"/>
-              </a:ext>
-            </a:extLst>
-          </a:blip>
-          <a:srcRect/>
-          <a:stretch>
-            <a:fillRect/>
-          </a:stretch>
-        </p:blipFill>
-        <p:spPr bwMode="auto">
-          <a:xfrm>
-            <a:off x="8461829" y="-149930"/>
-            <a:ext cx="3672116" cy="1344437"/>
-          </a:xfrm>
-          <a:prstGeom prst="rect">
-            <a:avLst/>
-          </a:prstGeom>
-          <a:noFill/>
-          <a:extLst>
-            <a:ext uri="{909E8E84-426E-40DD-AFC4-6F175D3DCCD1}">
-              <a14:hiddenFill xmlns:a14="http://schemas.microsoft.com/office/drawing/2010/main">
-                <a:solidFill>
-                  <a:srgbClr val="FFFFFF"/>
-                </a:solidFill>
-              </a14:hiddenFill>
             </a:ext>
           </a:extLst>
         </p:spPr>
@@ -13223,18 +12795,13 @@
           <a:lstStyle/>
           <a:p>
             <a:r>
-              <a:rPr lang="es-AR" sz="5400" dirty="0" smtClean="0">
+              <a:rPr lang="es-AR" sz="5400" dirty="0">
                 <a:solidFill>
                   <a:schemeClr val="bg1"/>
                 </a:solidFill>
               </a:rPr>
               <a:t>Muchas Gracias</a:t>
             </a:r>
-            <a:endParaRPr lang="es-AR" sz="5400" dirty="0">
-              <a:solidFill>
-                <a:schemeClr val="bg1"/>
-              </a:solidFill>
-            </a:endParaRPr>
           </a:p>
         </p:txBody>
       </p:sp>
@@ -13313,60 +12880,6 @@
           </a:p>
         </p:txBody>
       </p:sp>
-      <p:pic>
-        <p:nvPicPr>
-          <p:cNvPr id="9220" name="Picture 5" descr="C:\Users\Ale\Desktop\Andre\Austral\2017-12-27\Logo-Ingenieria-H-01.png"/>
-          <p:cNvPicPr>
-            <a:picLocks noChangeAspect="1" noChangeArrowheads="1"/>
-          </p:cNvPicPr>
-          <p:nvPr/>
-        </p:nvPicPr>
-        <p:blipFill>
-          <a:blip r:embed="rId4">
-            <a:extLst>
-              <a:ext uri="{28A0092B-C50C-407E-A947-70E740481C1C}">
-                <a14:useLocalDpi xmlns:a14="http://schemas.microsoft.com/office/drawing/2010/main" val="0"/>
-              </a:ext>
-            </a:extLst>
-          </a:blip>
-          <a:srcRect/>
-          <a:stretch>
-            <a:fillRect/>
-          </a:stretch>
-        </p:blipFill>
-        <p:spPr bwMode="auto">
-          <a:xfrm>
-            <a:off x="8401051" y="260351"/>
-            <a:ext cx="3507316" cy="670983"/>
-          </a:xfrm>
-          <a:prstGeom prst="rect">
-            <a:avLst/>
-          </a:prstGeom>
-          <a:noFill/>
-          <a:ln>
-            <a:noFill/>
-          </a:ln>
-          <a:extLst>
-            <a:ext uri="{909E8E84-426E-40DD-AFC4-6F175D3DCCD1}">
-              <a14:hiddenFill xmlns:a14="http://schemas.microsoft.com/office/drawing/2010/main">
-                <a:solidFill>
-                  <a:srgbClr val="FFFFFF"/>
-                </a:solidFill>
-              </a14:hiddenFill>
-            </a:ext>
-            <a:ext uri="{91240B29-F687-4F45-9708-019B960494DF}">
-              <a14:hiddenLine xmlns:a14="http://schemas.microsoft.com/office/drawing/2010/main" w="9525">
-                <a:solidFill>
-                  <a:srgbClr val="000000"/>
-                </a:solidFill>
-                <a:miter lim="800000"/>
-                <a:headEnd/>
-                <a:tailEnd/>
-              </a14:hiddenLine>
-            </a:ext>
-          </a:extLst>
-        </p:spPr>
-      </p:pic>
     </p:spTree>
     <p:extLst>
       <p:ext uri="{BB962C8B-B14F-4D97-AF65-F5344CB8AC3E}">
@@ -13442,7 +12955,7 @@
           <p:cNvPr id="4" name="1 Rectángulo">
             <a:extLst>
               <a:ext uri="{FF2B5EF4-FFF2-40B4-BE49-F238E27FC236}">
-                <a16:creationId xmlns:a16="http://schemas.microsoft.com/office/drawing/2014/main" xmlns="" id="{47BF13C9-597F-4101-B226-A0C8AB06CB95}"/>
+                <a16:creationId xmlns:a16="http://schemas.microsoft.com/office/drawing/2014/main" id="{47BF13C9-597F-4101-B226-A0C8AB06CB95}"/>
               </a:ext>
             </a:extLst>
           </p:cNvPr>
@@ -13467,7 +12980,6 @@
           <a:ln>
             <a:noFill/>
           </a:ln>
-          <a:extLst/>
         </p:spPr>
         <p:txBody>
           <a:bodyPr anchor="ctr"/>
@@ -13519,7 +13031,7 @@
           <p:cNvPr id="5" name="1 Rectángulo">
             <a:extLst>
               <a:ext uri="{FF2B5EF4-FFF2-40B4-BE49-F238E27FC236}">
-                <a16:creationId xmlns:a16="http://schemas.microsoft.com/office/drawing/2014/main" xmlns="" id="{EC9A45E1-1B10-4959-A23C-8023AD14133C}"/>
+                <a16:creationId xmlns:a16="http://schemas.microsoft.com/office/drawing/2014/main" id="{EC9A45E1-1B10-4959-A23C-8023AD14133C}"/>
               </a:ext>
             </a:extLst>
           </p:cNvPr>
@@ -13544,7 +13056,6 @@
           <a:ln>
             <a:noFill/>
           </a:ln>
-          <a:extLst/>
         </p:spPr>
         <p:txBody>
           <a:bodyPr anchor="ctr"/>
@@ -13714,47 +13225,6 @@
           </a:p>
         </p:txBody>
       </p:sp>
-      <p:pic>
-        <p:nvPicPr>
-          <p:cNvPr id="7" name="Picture 4" descr="C:\Users\rcrescenzi\OneDrive\docencia\UCEMA\ucema_logo.png"/>
-          <p:cNvPicPr>
-            <a:picLocks noChangeAspect="1" noChangeArrowheads="1"/>
-          </p:cNvPicPr>
-          <p:nvPr/>
-        </p:nvPicPr>
-        <p:blipFill>
-          <a:blip r:embed="rId4" cstate="print">
-            <a:extLst>
-              <a:ext uri="{28A0092B-C50C-407E-A947-70E740481C1C}">
-                <a14:useLocalDpi xmlns:a14="http://schemas.microsoft.com/office/drawing/2010/main" val="0"/>
-              </a:ext>
-            </a:extLst>
-          </a:blip>
-          <a:srcRect/>
-          <a:stretch>
-            <a:fillRect/>
-          </a:stretch>
-        </p:blipFill>
-        <p:spPr bwMode="auto">
-          <a:xfrm>
-            <a:off x="8461829" y="-149930"/>
-            <a:ext cx="3672116" cy="1344437"/>
-          </a:xfrm>
-          <a:prstGeom prst="rect">
-            <a:avLst/>
-          </a:prstGeom>
-          <a:noFill/>
-          <a:extLst>
-            <a:ext uri="{909E8E84-426E-40DD-AFC4-6F175D3DCCD1}">
-              <a14:hiddenFill xmlns:a14="http://schemas.microsoft.com/office/drawing/2010/main">
-                <a:solidFill>
-                  <a:srgbClr val="FFFFFF"/>
-                </a:solidFill>
-              </a14:hiddenFill>
-            </a:ext>
-          </a:extLst>
-        </p:spPr>
-      </p:pic>
     </p:spTree>
     <p:extLst>
       <p:ext uri="{BB962C8B-B14F-4D97-AF65-F5344CB8AC3E}">
@@ -13830,7 +13300,7 @@
           <p:cNvPr id="4" name="1 Rectángulo">
             <a:extLst>
               <a:ext uri="{FF2B5EF4-FFF2-40B4-BE49-F238E27FC236}">
-                <a16:creationId xmlns:a16="http://schemas.microsoft.com/office/drawing/2014/main" xmlns="" id="{47BF13C9-597F-4101-B226-A0C8AB06CB95}"/>
+                <a16:creationId xmlns:a16="http://schemas.microsoft.com/office/drawing/2014/main" id="{47BF13C9-597F-4101-B226-A0C8AB06CB95}"/>
               </a:ext>
             </a:extLst>
           </p:cNvPr>
@@ -13855,7 +13325,6 @@
           <a:ln>
             <a:noFill/>
           </a:ln>
-          <a:extLst/>
         </p:spPr>
         <p:txBody>
           <a:bodyPr anchor="ctr"/>
@@ -13907,7 +13376,7 @@
           <p:cNvPr id="6" name="Diagrama 5">
             <a:extLst>
               <a:ext uri="{FF2B5EF4-FFF2-40B4-BE49-F238E27FC236}">
-                <a16:creationId xmlns:a16="http://schemas.microsoft.com/office/drawing/2014/main" xmlns="" id="{92CC81DA-3BE2-447C-8BB0-C73EDF57BE37}"/>
+                <a16:creationId xmlns:a16="http://schemas.microsoft.com/office/drawing/2014/main" id="{92CC81DA-3BE2-447C-8BB0-C73EDF57BE37}"/>
               </a:ext>
             </a:extLst>
           </p:cNvPr>
@@ -13930,47 +13399,6 @@
           </a:graphicData>
         </a:graphic>
       </p:graphicFrame>
-      <p:pic>
-        <p:nvPicPr>
-          <p:cNvPr id="5" name="Picture 4" descr="C:\Users\rcrescenzi\OneDrive\docencia\UCEMA\ucema_logo.png"/>
-          <p:cNvPicPr>
-            <a:picLocks noChangeAspect="1" noChangeArrowheads="1"/>
-          </p:cNvPicPr>
-          <p:nvPr/>
-        </p:nvPicPr>
-        <p:blipFill>
-          <a:blip r:embed="rId9" cstate="print">
-            <a:extLst>
-              <a:ext uri="{28A0092B-C50C-407E-A947-70E740481C1C}">
-                <a14:useLocalDpi xmlns:a14="http://schemas.microsoft.com/office/drawing/2010/main" val="0"/>
-              </a:ext>
-            </a:extLst>
-          </a:blip>
-          <a:srcRect/>
-          <a:stretch>
-            <a:fillRect/>
-          </a:stretch>
-        </p:blipFill>
-        <p:spPr bwMode="auto">
-          <a:xfrm>
-            <a:off x="8461829" y="-149930"/>
-            <a:ext cx="3672116" cy="1344437"/>
-          </a:xfrm>
-          <a:prstGeom prst="rect">
-            <a:avLst/>
-          </a:prstGeom>
-          <a:noFill/>
-          <a:extLst>
-            <a:ext uri="{909E8E84-426E-40DD-AFC4-6F175D3DCCD1}">
-              <a14:hiddenFill xmlns:a14="http://schemas.microsoft.com/office/drawing/2010/main">
-                <a:solidFill>
-                  <a:srgbClr val="FFFFFF"/>
-                </a:solidFill>
-              </a14:hiddenFill>
-            </a:ext>
-          </a:extLst>
-        </p:spPr>
-      </p:pic>
     </p:spTree>
     <p:extLst>
       <p:ext uri="{BB962C8B-B14F-4D97-AF65-F5344CB8AC3E}">
@@ -14046,7 +13474,7 @@
           <p:cNvPr id="4" name="1 Rectángulo">
             <a:extLst>
               <a:ext uri="{FF2B5EF4-FFF2-40B4-BE49-F238E27FC236}">
-                <a16:creationId xmlns:a16="http://schemas.microsoft.com/office/drawing/2014/main" xmlns="" id="{47BF13C9-597F-4101-B226-A0C8AB06CB95}"/>
+                <a16:creationId xmlns:a16="http://schemas.microsoft.com/office/drawing/2014/main" id="{47BF13C9-597F-4101-B226-A0C8AB06CB95}"/>
               </a:ext>
             </a:extLst>
           </p:cNvPr>
@@ -14071,7 +13499,6 @@
           <a:ln>
             <a:noFill/>
           </a:ln>
-          <a:extLst/>
         </p:spPr>
         <p:txBody>
           <a:bodyPr anchor="ctr"/>
@@ -14137,7 +13564,7 @@
           <p:cNvPr id="7" name="1 Rectángulo">
             <a:extLst>
               <a:ext uri="{FF2B5EF4-FFF2-40B4-BE49-F238E27FC236}">
-                <a16:creationId xmlns:a16="http://schemas.microsoft.com/office/drawing/2014/main" xmlns="" id="{EA3DA6CF-43F0-463B-8C5B-8459B50B3A41}"/>
+                <a16:creationId xmlns:a16="http://schemas.microsoft.com/office/drawing/2014/main" id="{EA3DA6CF-43F0-463B-8C5B-8459B50B3A41}"/>
               </a:ext>
             </a:extLst>
           </p:cNvPr>
@@ -14162,7 +13589,6 @@
           <a:ln>
             <a:noFill/>
           </a:ln>
-          <a:extLst/>
         </p:spPr>
         <p:txBody>
           <a:bodyPr anchor="ctr"/>
@@ -14200,7 +13626,7 @@
           <p:cNvPr id="3" name="Imagen 2">
             <a:extLst>
               <a:ext uri="{FF2B5EF4-FFF2-40B4-BE49-F238E27FC236}">
-                <a16:creationId xmlns:a16="http://schemas.microsoft.com/office/drawing/2014/main" xmlns="" id="{54DB1714-3DF3-4187-B817-AA330050BA93}"/>
+                <a16:creationId xmlns:a16="http://schemas.microsoft.com/office/drawing/2014/main" id="{54DB1714-3DF3-4187-B817-AA330050BA93}"/>
               </a:ext>
             </a:extLst>
           </p:cNvPr>
@@ -14229,47 +13655,6 @@
           <a:prstGeom prst="rect">
             <a:avLst/>
           </a:prstGeom>
-        </p:spPr>
-      </p:pic>
-      <p:pic>
-        <p:nvPicPr>
-          <p:cNvPr id="6" name="Picture 4" descr="C:\Users\rcrescenzi\OneDrive\docencia\UCEMA\ucema_logo.png"/>
-          <p:cNvPicPr>
-            <a:picLocks noChangeAspect="1" noChangeArrowheads="1"/>
-          </p:cNvPicPr>
-          <p:nvPr/>
-        </p:nvPicPr>
-        <p:blipFill>
-          <a:blip r:embed="rId5" cstate="print">
-            <a:extLst>
-              <a:ext uri="{28A0092B-C50C-407E-A947-70E740481C1C}">
-                <a14:useLocalDpi xmlns:a14="http://schemas.microsoft.com/office/drawing/2010/main" val="0"/>
-              </a:ext>
-            </a:extLst>
-          </a:blip>
-          <a:srcRect/>
-          <a:stretch>
-            <a:fillRect/>
-          </a:stretch>
-        </p:blipFill>
-        <p:spPr bwMode="auto">
-          <a:xfrm>
-            <a:off x="8461829" y="-149930"/>
-            <a:ext cx="3672116" cy="1344437"/>
-          </a:xfrm>
-          <a:prstGeom prst="rect">
-            <a:avLst/>
-          </a:prstGeom>
-          <a:noFill/>
-          <a:extLst>
-            <a:ext uri="{909E8E84-426E-40DD-AFC4-6F175D3DCCD1}">
-              <a14:hiddenFill xmlns:a14="http://schemas.microsoft.com/office/drawing/2010/main">
-                <a:solidFill>
-                  <a:srgbClr val="FFFFFF"/>
-                </a:solidFill>
-              </a14:hiddenFill>
-            </a:ext>
-          </a:extLst>
         </p:spPr>
       </p:pic>
     </p:spTree>
@@ -14347,7 +13732,7 @@
           <p:cNvPr id="4" name="1 Rectángulo">
             <a:extLst>
               <a:ext uri="{FF2B5EF4-FFF2-40B4-BE49-F238E27FC236}">
-                <a16:creationId xmlns:a16="http://schemas.microsoft.com/office/drawing/2014/main" xmlns="" id="{47BF13C9-597F-4101-B226-A0C8AB06CB95}"/>
+                <a16:creationId xmlns:a16="http://schemas.microsoft.com/office/drawing/2014/main" id="{47BF13C9-597F-4101-B226-A0C8AB06CB95}"/>
               </a:ext>
             </a:extLst>
           </p:cNvPr>
@@ -14372,7 +13757,6 @@
           <a:ln>
             <a:noFill/>
           </a:ln>
-          <a:extLst/>
         </p:spPr>
         <p:txBody>
           <a:bodyPr anchor="ctr"/>
@@ -14438,7 +13822,7 @@
           <p:cNvPr id="7" name="1 Rectángulo">
             <a:extLst>
               <a:ext uri="{FF2B5EF4-FFF2-40B4-BE49-F238E27FC236}">
-                <a16:creationId xmlns:a16="http://schemas.microsoft.com/office/drawing/2014/main" xmlns="" id="{EA3DA6CF-43F0-463B-8C5B-8459B50B3A41}"/>
+                <a16:creationId xmlns:a16="http://schemas.microsoft.com/office/drawing/2014/main" id="{EA3DA6CF-43F0-463B-8C5B-8459B50B3A41}"/>
               </a:ext>
             </a:extLst>
           </p:cNvPr>
@@ -14463,7 +13847,6 @@
           <a:ln>
             <a:noFill/>
           </a:ln>
-          <a:extLst/>
         </p:spPr>
         <p:txBody>
           <a:bodyPr anchor="ctr"/>
@@ -14501,7 +13884,7 @@
           <p:cNvPr id="6" name="Picture 2" descr="Resultado de imagen para spss modeler">
             <a:extLst>
               <a:ext uri="{FF2B5EF4-FFF2-40B4-BE49-F238E27FC236}">
-                <a16:creationId xmlns:a16="http://schemas.microsoft.com/office/drawing/2014/main" xmlns="" id="{1C0E1B7B-BC22-4592-A81E-CECE6496B35B}"/>
+                <a16:creationId xmlns:a16="http://schemas.microsoft.com/office/drawing/2014/main" id="{1C0E1B7B-BC22-4592-A81E-CECE6496B35B}"/>
               </a:ext>
             </a:extLst>
           </p:cNvPr>
@@ -14525,47 +13908,6 @@
           <a:xfrm>
             <a:off x="885756" y="2036492"/>
             <a:ext cx="10420488" cy="4698254"/>
-          </a:xfrm>
-          <a:prstGeom prst="rect">
-            <a:avLst/>
-          </a:prstGeom>
-          <a:noFill/>
-          <a:extLst>
-            <a:ext uri="{909E8E84-426E-40DD-AFC4-6F175D3DCCD1}">
-              <a14:hiddenFill xmlns:a14="http://schemas.microsoft.com/office/drawing/2010/main">
-                <a:solidFill>
-                  <a:srgbClr val="FFFFFF"/>
-                </a:solidFill>
-              </a14:hiddenFill>
-            </a:ext>
-          </a:extLst>
-        </p:spPr>
-      </p:pic>
-      <p:pic>
-        <p:nvPicPr>
-          <p:cNvPr id="8" name="Picture 4" descr="C:\Users\rcrescenzi\OneDrive\docencia\UCEMA\ucema_logo.png"/>
-          <p:cNvPicPr>
-            <a:picLocks noChangeAspect="1" noChangeArrowheads="1"/>
-          </p:cNvPicPr>
-          <p:nvPr/>
-        </p:nvPicPr>
-        <p:blipFill>
-          <a:blip r:embed="rId5" cstate="print">
-            <a:extLst>
-              <a:ext uri="{28A0092B-C50C-407E-A947-70E740481C1C}">
-                <a14:useLocalDpi xmlns:a14="http://schemas.microsoft.com/office/drawing/2010/main" val="0"/>
-              </a:ext>
-            </a:extLst>
-          </a:blip>
-          <a:srcRect/>
-          <a:stretch>
-            <a:fillRect/>
-          </a:stretch>
-        </p:blipFill>
-        <p:spPr bwMode="auto">
-          <a:xfrm>
-            <a:off x="8461829" y="-149930"/>
-            <a:ext cx="3672116" cy="1344437"/>
           </a:xfrm>
           <a:prstGeom prst="rect">
             <a:avLst/>
@@ -14657,7 +13999,7 @@
           <p:cNvPr id="4" name="1 Rectángulo">
             <a:extLst>
               <a:ext uri="{FF2B5EF4-FFF2-40B4-BE49-F238E27FC236}">
-                <a16:creationId xmlns:a16="http://schemas.microsoft.com/office/drawing/2014/main" xmlns="" id="{47BF13C9-597F-4101-B226-A0C8AB06CB95}"/>
+                <a16:creationId xmlns:a16="http://schemas.microsoft.com/office/drawing/2014/main" id="{47BF13C9-597F-4101-B226-A0C8AB06CB95}"/>
               </a:ext>
             </a:extLst>
           </p:cNvPr>
@@ -14682,7 +14024,6 @@
           <a:ln>
             <a:noFill/>
           </a:ln>
-          <a:extLst/>
         </p:spPr>
         <p:txBody>
           <a:bodyPr anchor="ctr"/>
@@ -14748,7 +14089,7 @@
           <p:cNvPr id="7" name="1 Rectángulo">
             <a:extLst>
               <a:ext uri="{FF2B5EF4-FFF2-40B4-BE49-F238E27FC236}">
-                <a16:creationId xmlns:a16="http://schemas.microsoft.com/office/drawing/2014/main" xmlns="" id="{EA3DA6CF-43F0-463B-8C5B-8459B50B3A41}"/>
+                <a16:creationId xmlns:a16="http://schemas.microsoft.com/office/drawing/2014/main" id="{EA3DA6CF-43F0-463B-8C5B-8459B50B3A41}"/>
               </a:ext>
             </a:extLst>
           </p:cNvPr>
@@ -14773,7 +14114,6 @@
           <a:ln>
             <a:noFill/>
           </a:ln>
-          <a:extLst/>
         </p:spPr>
         <p:txBody>
           <a:bodyPr anchor="ctr"/>
@@ -14811,7 +14151,7 @@
           <p:cNvPr id="8" name="Picture 2" descr="Resultado de imagen para rapid miner">
             <a:extLst>
               <a:ext uri="{FF2B5EF4-FFF2-40B4-BE49-F238E27FC236}">
-                <a16:creationId xmlns:a16="http://schemas.microsoft.com/office/drawing/2014/main" xmlns="" id="{93106372-D95E-4BE0-9350-33C693A891C0}"/>
+                <a16:creationId xmlns:a16="http://schemas.microsoft.com/office/drawing/2014/main" id="{93106372-D95E-4BE0-9350-33C693A891C0}"/>
               </a:ext>
             </a:extLst>
           </p:cNvPr>
@@ -14835,47 +14175,6 @@
           <a:xfrm>
             <a:off x="2206135" y="2074593"/>
             <a:ext cx="7779729" cy="4783407"/>
-          </a:xfrm>
-          <a:prstGeom prst="rect">
-            <a:avLst/>
-          </a:prstGeom>
-          <a:noFill/>
-          <a:extLst>
-            <a:ext uri="{909E8E84-426E-40DD-AFC4-6F175D3DCCD1}">
-              <a14:hiddenFill xmlns:a14="http://schemas.microsoft.com/office/drawing/2010/main">
-                <a:solidFill>
-                  <a:srgbClr val="FFFFFF"/>
-                </a:solidFill>
-              </a14:hiddenFill>
-            </a:ext>
-          </a:extLst>
-        </p:spPr>
-      </p:pic>
-      <p:pic>
-        <p:nvPicPr>
-          <p:cNvPr id="6" name="Picture 4" descr="C:\Users\rcrescenzi\OneDrive\docencia\UCEMA\ucema_logo.png"/>
-          <p:cNvPicPr>
-            <a:picLocks noChangeAspect="1" noChangeArrowheads="1"/>
-          </p:cNvPicPr>
-          <p:nvPr/>
-        </p:nvPicPr>
-        <p:blipFill>
-          <a:blip r:embed="rId5" cstate="print">
-            <a:extLst>
-              <a:ext uri="{28A0092B-C50C-407E-A947-70E740481C1C}">
-                <a14:useLocalDpi xmlns:a14="http://schemas.microsoft.com/office/drawing/2010/main" val="0"/>
-              </a:ext>
-            </a:extLst>
-          </a:blip>
-          <a:srcRect/>
-          <a:stretch>
-            <a:fillRect/>
-          </a:stretch>
-        </p:blipFill>
-        <p:spPr bwMode="auto">
-          <a:xfrm>
-            <a:off x="8461829" y="-149930"/>
-            <a:ext cx="3672116" cy="1344437"/>
           </a:xfrm>
           <a:prstGeom prst="rect">
             <a:avLst/>
@@ -14967,7 +14266,7 @@
           <p:cNvPr id="4" name="1 Rectángulo">
             <a:extLst>
               <a:ext uri="{FF2B5EF4-FFF2-40B4-BE49-F238E27FC236}">
-                <a16:creationId xmlns:a16="http://schemas.microsoft.com/office/drawing/2014/main" xmlns="" id="{47BF13C9-597F-4101-B226-A0C8AB06CB95}"/>
+                <a16:creationId xmlns:a16="http://schemas.microsoft.com/office/drawing/2014/main" id="{47BF13C9-597F-4101-B226-A0C8AB06CB95}"/>
               </a:ext>
             </a:extLst>
           </p:cNvPr>
@@ -14992,7 +14291,6 @@
           <a:ln>
             <a:noFill/>
           </a:ln>
-          <a:extLst/>
         </p:spPr>
         <p:txBody>
           <a:bodyPr anchor="ctr"/>
@@ -15044,7 +14342,7 @@
           <p:cNvPr id="7" name="1 Rectángulo">
             <a:extLst>
               <a:ext uri="{FF2B5EF4-FFF2-40B4-BE49-F238E27FC236}">
-                <a16:creationId xmlns:a16="http://schemas.microsoft.com/office/drawing/2014/main" xmlns="" id="{EA3DA6CF-43F0-463B-8C5B-8459B50B3A41}"/>
+                <a16:creationId xmlns:a16="http://schemas.microsoft.com/office/drawing/2014/main" id="{EA3DA6CF-43F0-463B-8C5B-8459B50B3A41}"/>
               </a:ext>
             </a:extLst>
           </p:cNvPr>
@@ -15069,7 +14367,6 @@
           <a:ln>
             <a:noFill/>
           </a:ln>
-          <a:extLst/>
         </p:spPr>
         <p:txBody>
           <a:bodyPr anchor="ctr"/>
@@ -15107,7 +14404,7 @@
           <p:cNvPr id="6" name="Picture 2" descr="Resultado de imagen para microsoft azure machine learning">
             <a:extLst>
               <a:ext uri="{FF2B5EF4-FFF2-40B4-BE49-F238E27FC236}">
-                <a16:creationId xmlns:a16="http://schemas.microsoft.com/office/drawing/2014/main" xmlns="" id="{8774FE60-1DC7-489C-861C-CB0BE90180A3}"/>
+                <a16:creationId xmlns:a16="http://schemas.microsoft.com/office/drawing/2014/main" id="{8774FE60-1DC7-489C-861C-CB0BE90180A3}"/>
               </a:ext>
             </a:extLst>
           </p:cNvPr>
@@ -15131,47 +14428,6 @@
           <a:xfrm>
             <a:off x="3417524" y="2035701"/>
             <a:ext cx="5356952" cy="4822299"/>
-          </a:xfrm>
-          <a:prstGeom prst="rect">
-            <a:avLst/>
-          </a:prstGeom>
-          <a:noFill/>
-          <a:extLst>
-            <a:ext uri="{909E8E84-426E-40DD-AFC4-6F175D3DCCD1}">
-              <a14:hiddenFill xmlns:a14="http://schemas.microsoft.com/office/drawing/2010/main">
-                <a:solidFill>
-                  <a:srgbClr val="FFFFFF"/>
-                </a:solidFill>
-              </a14:hiddenFill>
-            </a:ext>
-          </a:extLst>
-        </p:spPr>
-      </p:pic>
-      <p:pic>
-        <p:nvPicPr>
-          <p:cNvPr id="8" name="Picture 4" descr="C:\Users\rcrescenzi\OneDrive\docencia\UCEMA\ucema_logo.png"/>
-          <p:cNvPicPr>
-            <a:picLocks noChangeAspect="1" noChangeArrowheads="1"/>
-          </p:cNvPicPr>
-          <p:nvPr/>
-        </p:nvPicPr>
-        <p:blipFill>
-          <a:blip r:embed="rId5" cstate="print">
-            <a:extLst>
-              <a:ext uri="{28A0092B-C50C-407E-A947-70E740481C1C}">
-                <a14:useLocalDpi xmlns:a14="http://schemas.microsoft.com/office/drawing/2010/main" val="0"/>
-              </a:ext>
-            </a:extLst>
-          </a:blip>
-          <a:srcRect/>
-          <a:stretch>
-            <a:fillRect/>
-          </a:stretch>
-        </p:blipFill>
-        <p:spPr bwMode="auto">
-          <a:xfrm>
-            <a:off x="8461829" y="-149930"/>
-            <a:ext cx="3672116" cy="1344437"/>
           </a:xfrm>
           <a:prstGeom prst="rect">
             <a:avLst/>
@@ -15263,7 +14519,7 @@
           <p:cNvPr id="4" name="1 Rectángulo">
             <a:extLst>
               <a:ext uri="{FF2B5EF4-FFF2-40B4-BE49-F238E27FC236}">
-                <a16:creationId xmlns:a16="http://schemas.microsoft.com/office/drawing/2014/main" xmlns="" id="{47BF13C9-597F-4101-B226-A0C8AB06CB95}"/>
+                <a16:creationId xmlns:a16="http://schemas.microsoft.com/office/drawing/2014/main" id="{47BF13C9-597F-4101-B226-A0C8AB06CB95}"/>
               </a:ext>
             </a:extLst>
           </p:cNvPr>
@@ -15288,7 +14544,6 @@
           <a:ln>
             <a:noFill/>
           </a:ln>
-          <a:extLst/>
         </p:spPr>
         <p:txBody>
           <a:bodyPr anchor="ctr"/>
@@ -15340,7 +14595,7 @@
           <p:cNvPr id="7" name="1 Rectángulo">
             <a:extLst>
               <a:ext uri="{FF2B5EF4-FFF2-40B4-BE49-F238E27FC236}">
-                <a16:creationId xmlns:a16="http://schemas.microsoft.com/office/drawing/2014/main" xmlns="" id="{EA3DA6CF-43F0-463B-8C5B-8459B50B3A41}"/>
+                <a16:creationId xmlns:a16="http://schemas.microsoft.com/office/drawing/2014/main" id="{EA3DA6CF-43F0-463B-8C5B-8459B50B3A41}"/>
               </a:ext>
             </a:extLst>
           </p:cNvPr>
@@ -15365,7 +14620,6 @@
           <a:ln>
             <a:noFill/>
           </a:ln>
-          <a:extLst/>
         </p:spPr>
         <p:txBody>
           <a:bodyPr anchor="ctr"/>
@@ -15403,7 +14657,7 @@
           <p:cNvPr id="8" name="Picture 2" descr="Resultado de imagen para amazon machine learning">
             <a:extLst>
               <a:ext uri="{FF2B5EF4-FFF2-40B4-BE49-F238E27FC236}">
-                <a16:creationId xmlns:a16="http://schemas.microsoft.com/office/drawing/2014/main" xmlns="" id="{151410AC-A6F3-4715-AAB6-912B69E8422B}"/>
+                <a16:creationId xmlns:a16="http://schemas.microsoft.com/office/drawing/2014/main" id="{151410AC-A6F3-4715-AAB6-912B69E8422B}"/>
               </a:ext>
             </a:extLst>
           </p:cNvPr>
@@ -15429,47 +14683,6 @@
           <a:xfrm>
             <a:off x="1930021" y="2313240"/>
             <a:ext cx="8331958" cy="4447183"/>
-          </a:xfrm>
-          <a:prstGeom prst="rect">
-            <a:avLst/>
-          </a:prstGeom>
-          <a:noFill/>
-          <a:extLst>
-            <a:ext uri="{909E8E84-426E-40DD-AFC4-6F175D3DCCD1}">
-              <a14:hiddenFill xmlns:a14="http://schemas.microsoft.com/office/drawing/2010/main">
-                <a:solidFill>
-                  <a:srgbClr val="FFFFFF"/>
-                </a:solidFill>
-              </a14:hiddenFill>
-            </a:ext>
-          </a:extLst>
-        </p:spPr>
-      </p:pic>
-      <p:pic>
-        <p:nvPicPr>
-          <p:cNvPr id="6" name="Picture 4" descr="C:\Users\rcrescenzi\OneDrive\docencia\UCEMA\ucema_logo.png"/>
-          <p:cNvPicPr>
-            <a:picLocks noChangeAspect="1" noChangeArrowheads="1"/>
-          </p:cNvPicPr>
-          <p:nvPr/>
-        </p:nvPicPr>
-        <p:blipFill>
-          <a:blip r:embed="rId5" cstate="print">
-            <a:extLst>
-              <a:ext uri="{28A0092B-C50C-407E-A947-70E740481C1C}">
-                <a14:useLocalDpi xmlns:a14="http://schemas.microsoft.com/office/drawing/2010/main" val="0"/>
-              </a:ext>
-            </a:extLst>
-          </a:blip>
-          <a:srcRect/>
-          <a:stretch>
-            <a:fillRect/>
-          </a:stretch>
-        </p:blipFill>
-        <p:spPr bwMode="auto">
-          <a:xfrm>
-            <a:off x="8461829" y="-149930"/>
-            <a:ext cx="3672116" cy="1344437"/>
           </a:xfrm>
           <a:prstGeom prst="rect">
             <a:avLst/>
@@ -15561,7 +14774,7 @@
           <p:cNvPr id="4" name="1 Rectángulo">
             <a:extLst>
               <a:ext uri="{FF2B5EF4-FFF2-40B4-BE49-F238E27FC236}">
-                <a16:creationId xmlns:a16="http://schemas.microsoft.com/office/drawing/2014/main" xmlns="" id="{47BF13C9-597F-4101-B226-A0C8AB06CB95}"/>
+                <a16:creationId xmlns:a16="http://schemas.microsoft.com/office/drawing/2014/main" id="{47BF13C9-597F-4101-B226-A0C8AB06CB95}"/>
               </a:ext>
             </a:extLst>
           </p:cNvPr>
@@ -15586,7 +14799,6 @@
           <a:ln>
             <a:noFill/>
           </a:ln>
-          <a:extLst/>
         </p:spPr>
         <p:txBody>
           <a:bodyPr anchor="ctr"/>
@@ -15638,7 +14850,7 @@
           <p:cNvPr id="7" name="1 Rectángulo">
             <a:extLst>
               <a:ext uri="{FF2B5EF4-FFF2-40B4-BE49-F238E27FC236}">
-                <a16:creationId xmlns:a16="http://schemas.microsoft.com/office/drawing/2014/main" xmlns="" id="{EA3DA6CF-43F0-463B-8C5B-8459B50B3A41}"/>
+                <a16:creationId xmlns:a16="http://schemas.microsoft.com/office/drawing/2014/main" id="{EA3DA6CF-43F0-463B-8C5B-8459B50B3A41}"/>
               </a:ext>
             </a:extLst>
           </p:cNvPr>
@@ -15663,7 +14875,6 @@
           <a:ln>
             <a:noFill/>
           </a:ln>
-          <a:extLst/>
         </p:spPr>
         <p:txBody>
           <a:bodyPr anchor="ctr"/>
@@ -15701,7 +14912,7 @@
           <p:cNvPr id="6" name="Picture 2" descr="Resultado de imagen para google cloud machine learning">
             <a:extLst>
               <a:ext uri="{FF2B5EF4-FFF2-40B4-BE49-F238E27FC236}">
-                <a16:creationId xmlns:a16="http://schemas.microsoft.com/office/drawing/2014/main" xmlns="" id="{98C037D7-9F49-40A5-9291-4984BC3C0306}"/>
+                <a16:creationId xmlns:a16="http://schemas.microsoft.com/office/drawing/2014/main" id="{98C037D7-9F49-40A5-9291-4984BC3C0306}"/>
               </a:ext>
             </a:extLst>
           </p:cNvPr>
@@ -15727,47 +14938,6 @@
           <a:xfrm>
             <a:off x="2049652" y="2321169"/>
             <a:ext cx="8092696" cy="4553727"/>
-          </a:xfrm>
-          <a:prstGeom prst="rect">
-            <a:avLst/>
-          </a:prstGeom>
-          <a:noFill/>
-          <a:extLst>
-            <a:ext uri="{909E8E84-426E-40DD-AFC4-6F175D3DCCD1}">
-              <a14:hiddenFill xmlns:a14="http://schemas.microsoft.com/office/drawing/2010/main">
-                <a:solidFill>
-                  <a:srgbClr val="FFFFFF"/>
-                </a:solidFill>
-              </a14:hiddenFill>
-            </a:ext>
-          </a:extLst>
-        </p:spPr>
-      </p:pic>
-      <p:pic>
-        <p:nvPicPr>
-          <p:cNvPr id="8" name="Picture 4" descr="C:\Users\rcrescenzi\OneDrive\docencia\UCEMA\ucema_logo.png"/>
-          <p:cNvPicPr>
-            <a:picLocks noChangeAspect="1" noChangeArrowheads="1"/>
-          </p:cNvPicPr>
-          <p:nvPr/>
-        </p:nvPicPr>
-        <p:blipFill>
-          <a:blip r:embed="rId5" cstate="print">
-            <a:extLst>
-              <a:ext uri="{28A0092B-C50C-407E-A947-70E740481C1C}">
-                <a14:useLocalDpi xmlns:a14="http://schemas.microsoft.com/office/drawing/2010/main" val="0"/>
-              </a:ext>
-            </a:extLst>
-          </a:blip>
-          <a:srcRect/>
-          <a:stretch>
-            <a:fillRect/>
-          </a:stretch>
-        </p:blipFill>
-        <p:spPr bwMode="auto">
-          <a:xfrm>
-            <a:off x="8461829" y="-149930"/>
-            <a:ext cx="3672116" cy="1344437"/>
           </a:xfrm>
           <a:prstGeom prst="rect">
             <a:avLst/>
@@ -16740,7 +15910,7 @@
   <a:extraClrSchemeLst/>
   <a:extLst>
     <a:ext uri="{05A4C25C-085E-4340-85A3-A5531E510DB2}">
-      <thm15:themeFamily xmlns:thm15="http://schemas.microsoft.com/office/thememl/2012/main" xmlns="" name="Office Theme" id="{62F939B6-93AF-4DB8-9C6B-D6C7DFDC589F}" vid="{4A3C46E8-61CC-4603-A589-7422A47A8E4A}"/>
+      <thm15:themeFamily xmlns:thm15="http://schemas.microsoft.com/office/thememl/2012/main" name="Office Theme" id="{62F939B6-93AF-4DB8-9C6B-D6C7DFDC589F}" vid="{4A3C46E8-61CC-4603-A589-7422A47A8E4A}"/>
     </a:ext>
   </a:extLst>
 </a:theme>
